--- a/Images/Website_ads.pptx
+++ b/Images/Website_ads.pptx
@@ -2,7 +2,7 @@
 <file path=ppt/presentation.xml><?xml version="1.0" encoding="utf-8"?>
 <p:presentation xmlns:a="http://schemas.openxmlformats.org/drawingml/2006/main" xmlns:r="http://schemas.openxmlformats.org/officeDocument/2006/relationships" xmlns:p="http://schemas.openxmlformats.org/presentationml/2006/main" saveSubsetFonts="1">
   <p:sldMasterIdLst>
-    <p:sldMasterId id="2147483751" r:id="rId1"/>
+    <p:sldMasterId id="2147483764" r:id="rId1"/>
   </p:sldMasterIdLst>
   <p:sldIdLst>
     <p:sldId id="256" r:id="rId2"/>
@@ -106,13 +106,18 @@
       </a:defRPr>
     </a:lvl9pPr>
   </p:defaultTextStyle>
+  <p:extLst>
+    <p:ext uri="{EFAFB233-063F-42B5-8137-9DF3F51BA10A}">
+      <p15:sldGuideLst xmlns:p15="http://schemas.microsoft.com/office/powerpoint/2012/main"/>
+    </p:ext>
+  </p:extLst>
 </p:presentation>
 </file>
 
 <file path=ppt/revisionInfo.xml><?xml version="1.0" encoding="utf-8"?>
 <p1510:revInfo xmlns:a="http://schemas.openxmlformats.org/drawingml/2006/main" xmlns:r="http://schemas.openxmlformats.org/officeDocument/2006/relationships" xmlns:p1510="http://schemas.microsoft.com/office/powerpoint/2015/10/main">
   <p1510:revLst>
-    <p1510:client id="{E16AABA7-2624-4CA0-841E-D0A7C264C076}" v="5" dt="2025-05-06T15:41:24.561"/>
+    <p1510:client id="{E16AABA7-2624-4CA0-841E-D0A7C264C076}" v="12" dt="2025-05-14T02:18:15.479"/>
   </p1510:revLst>
 </p1510:revInfo>
 </file>
@@ -122,12 +127,12 @@
   <pc:docChgLst>
     <pc:chgData name="Benjamin Green" userId="7a74854cc4279276" providerId="LiveId" clId="{E16AABA7-2624-4CA0-841E-D0A7C264C076}"/>
     <pc:docChg chg="undo redo custSel addSld modSld addMainMaster delMainMaster">
-      <pc:chgData name="Benjamin Green" userId="7a74854cc4279276" providerId="LiveId" clId="{E16AABA7-2624-4CA0-841E-D0A7C264C076}" dt="2025-05-06T15:43:17.580" v="401" actId="680"/>
+      <pc:chgData name="Benjamin Green" userId="7a74854cc4279276" providerId="LiveId" clId="{E16AABA7-2624-4CA0-841E-D0A7C264C076}" dt="2025-05-14T02:18:10.707" v="629"/>
       <pc:docMkLst>
         <pc:docMk/>
       </pc:docMkLst>
-      <pc:sldChg chg="addSp modSp mod setBg modClrScheme chgLayout">
-        <pc:chgData name="Benjamin Green" userId="7a74854cc4279276" providerId="LiveId" clId="{E16AABA7-2624-4CA0-841E-D0A7C264C076}" dt="2025-05-06T15:42:50.218" v="399" actId="692"/>
+      <pc:sldChg chg="addSp delSp modSp mod setBg modClrScheme delDesignElem chgLayout">
+        <pc:chgData name="Benjamin Green" userId="7a74854cc4279276" providerId="LiveId" clId="{E16AABA7-2624-4CA0-841E-D0A7C264C076}" dt="2025-05-14T02:14:03.224" v="556"/>
         <pc:sldMkLst>
           <pc:docMk/>
           <pc:sldMk cId="3840539104" sldId="256"/>
@@ -164,16 +169,16 @@
             <ac:spMk id="8" creationId="{07283A2E-0EB4-5A66-5C41-6FDF5631EE45}"/>
           </ac:spMkLst>
         </pc:spChg>
-        <pc:spChg chg="add">
-          <ac:chgData name="Benjamin Green" userId="7a74854cc4279276" providerId="LiveId" clId="{E16AABA7-2624-4CA0-841E-D0A7C264C076}" dt="2025-05-06T15:33:06.936" v="0" actId="26606"/>
+        <pc:spChg chg="add del">
+          <ac:chgData name="Benjamin Green" userId="7a74854cc4279276" providerId="LiveId" clId="{E16AABA7-2624-4CA0-841E-D0A7C264C076}" dt="2025-05-14T02:14:03.224" v="556"/>
           <ac:spMkLst>
             <pc:docMk/>
             <pc:sldMk cId="3840539104" sldId="256"/>
             <ac:spMk id="9" creationId="{CF886182-3ADC-447F-B077-24411DB565A8}"/>
           </ac:spMkLst>
         </pc:spChg>
-        <pc:spChg chg="add">
-          <ac:chgData name="Benjamin Green" userId="7a74854cc4279276" providerId="LiveId" clId="{E16AABA7-2624-4CA0-841E-D0A7C264C076}" dt="2025-05-06T15:33:06.936" v="0" actId="26606"/>
+        <pc:spChg chg="add del">
+          <ac:chgData name="Benjamin Green" userId="7a74854cc4279276" providerId="LiveId" clId="{E16AABA7-2624-4CA0-841E-D0A7C264C076}" dt="2025-05-14T02:14:03.224" v="556"/>
           <ac:spMkLst>
             <pc:docMk/>
             <pc:sldMk cId="3840539104" sldId="256"/>
@@ -197,19 +202,123 @@
           </ac:picMkLst>
         </pc:picChg>
       </pc:sldChg>
-      <pc:sldChg chg="new">
-        <pc:chgData name="Benjamin Green" userId="7a74854cc4279276" providerId="LiveId" clId="{E16AABA7-2624-4CA0-841E-D0A7C264C076}" dt="2025-05-06T15:43:16.159" v="400" actId="680"/>
+      <pc:sldChg chg="addSp delSp modSp new mod">
+        <pc:chgData name="Benjamin Green" userId="7a74854cc4279276" providerId="LiveId" clId="{E16AABA7-2624-4CA0-841E-D0A7C264C076}" dt="2025-05-14T02:13:34.320" v="540" actId="1076"/>
         <pc:sldMkLst>
           <pc:docMk/>
           <pc:sldMk cId="2523599804" sldId="257"/>
         </pc:sldMkLst>
+        <pc:spChg chg="mod">
+          <ac:chgData name="Benjamin Green" userId="7a74854cc4279276" providerId="LiveId" clId="{E16AABA7-2624-4CA0-841E-D0A7C264C076}" dt="2025-05-14T02:13:31.981" v="539" actId="1076"/>
+          <ac:spMkLst>
+            <pc:docMk/>
+            <pc:sldMk cId="2523599804" sldId="257"/>
+            <ac:spMk id="2" creationId="{B0C5719E-8E6B-1794-803B-B196C5F31D3C}"/>
+          </ac:spMkLst>
+        </pc:spChg>
+        <pc:spChg chg="del">
+          <ac:chgData name="Benjamin Green" userId="7a74854cc4279276" providerId="LiveId" clId="{E16AABA7-2624-4CA0-841E-D0A7C264C076}" dt="2025-05-14T02:12:25.689" v="441" actId="931"/>
+          <ac:spMkLst>
+            <pc:docMk/>
+            <pc:sldMk cId="2523599804" sldId="257"/>
+            <ac:spMk id="3" creationId="{D60A9753-227E-B307-ACDD-55494A56D902}"/>
+          </ac:spMkLst>
+        </pc:spChg>
+        <pc:spChg chg="add mod">
+          <ac:chgData name="Benjamin Green" userId="7a74854cc4279276" providerId="LiveId" clId="{E16AABA7-2624-4CA0-841E-D0A7C264C076}" dt="2025-05-14T02:13:23.781" v="538" actId="20577"/>
+          <ac:spMkLst>
+            <pc:docMk/>
+            <pc:sldMk cId="2523599804" sldId="257"/>
+            <ac:spMk id="6" creationId="{24923EBC-C3F1-5ECD-5BE4-0A5A0AE4AD0B}"/>
+          </ac:spMkLst>
+        </pc:spChg>
+        <pc:picChg chg="add mod">
+          <ac:chgData name="Benjamin Green" userId="7a74854cc4279276" providerId="LiveId" clId="{E16AABA7-2624-4CA0-841E-D0A7C264C076}" dt="2025-05-14T02:13:34.320" v="540" actId="1076"/>
+          <ac:picMkLst>
+            <pc:docMk/>
+            <pc:sldMk cId="2523599804" sldId="257"/>
+            <ac:picMk id="5" creationId="{057ED501-14AB-4578-311D-EC571262F64A}"/>
+          </ac:picMkLst>
+        </pc:picChg>
       </pc:sldChg>
-      <pc:sldChg chg="new">
-        <pc:chgData name="Benjamin Green" userId="7a74854cc4279276" providerId="LiveId" clId="{E16AABA7-2624-4CA0-841E-D0A7C264C076}" dt="2025-05-06T15:43:17.580" v="401" actId="680"/>
+      <pc:sldChg chg="addSp delSp modSp new mod setBg delDesignElem">
+        <pc:chgData name="Benjamin Green" userId="7a74854cc4279276" providerId="LiveId" clId="{E16AABA7-2624-4CA0-841E-D0A7C264C076}" dt="2025-05-14T02:18:10.707" v="629"/>
         <pc:sldMkLst>
           <pc:docMk/>
           <pc:sldMk cId="2129968641" sldId="258"/>
         </pc:sldMkLst>
+        <pc:spChg chg="mod ord">
+          <ac:chgData name="Benjamin Green" userId="7a74854cc4279276" providerId="LiveId" clId="{E16AABA7-2624-4CA0-841E-D0A7C264C076}" dt="2025-05-14T02:15:11.021" v="627" actId="20577"/>
+          <ac:spMkLst>
+            <pc:docMk/>
+            <pc:sldMk cId="2129968641" sldId="258"/>
+            <ac:spMk id="2" creationId="{1EC3DAD4-5409-F6C4-5BB8-5FCCA6A40CAD}"/>
+          </ac:spMkLst>
+        </pc:spChg>
+        <pc:spChg chg="del mod">
+          <ac:chgData name="Benjamin Green" userId="7a74854cc4279276" providerId="LiveId" clId="{E16AABA7-2624-4CA0-841E-D0A7C264C076}" dt="2025-05-14T02:14:56.268" v="616" actId="931"/>
+          <ac:spMkLst>
+            <pc:docMk/>
+            <pc:sldMk cId="2129968641" sldId="258"/>
+            <ac:spMk id="3" creationId="{54E9828C-882E-D43E-3AFE-4DAAE322352E}"/>
+          </ac:spMkLst>
+        </pc:spChg>
+        <pc:spChg chg="add del">
+          <ac:chgData name="Benjamin Green" userId="7a74854cc4279276" providerId="LiveId" clId="{E16AABA7-2624-4CA0-841E-D0A7C264C076}" dt="2025-05-14T02:18:10.707" v="629"/>
+          <ac:spMkLst>
+            <pc:docMk/>
+            <pc:sldMk cId="2129968641" sldId="258"/>
+            <ac:spMk id="10" creationId="{C63C853E-3842-4594-86A9-051FFAF4D343}"/>
+          </ac:spMkLst>
+        </pc:spChg>
+        <pc:spChg chg="add del">
+          <ac:chgData name="Benjamin Green" userId="7a74854cc4279276" providerId="LiveId" clId="{E16AABA7-2624-4CA0-841E-D0A7C264C076}" dt="2025-05-14T02:18:10.707" v="629"/>
+          <ac:spMkLst>
+            <pc:docMk/>
+            <pc:sldMk cId="2129968641" sldId="258"/>
+            <ac:spMk id="18" creationId="{2E67E8BF-E4B2-4098-9FB3-9E400BD86935}"/>
+          </ac:spMkLst>
+        </pc:spChg>
+        <pc:picChg chg="add mod">
+          <ac:chgData name="Benjamin Green" userId="7a74854cc4279276" providerId="LiveId" clId="{E16AABA7-2624-4CA0-841E-D0A7C264C076}" dt="2025-05-14T02:14:59.256" v="617" actId="26606"/>
+          <ac:picMkLst>
+            <pc:docMk/>
+            <pc:sldMk cId="2129968641" sldId="258"/>
+            <ac:picMk id="5" creationId="{A7E0CD6E-592E-85A4-D28B-509D88C3C2D4}"/>
+          </ac:picMkLst>
+        </pc:picChg>
+        <pc:picChg chg="add del">
+          <ac:chgData name="Benjamin Green" userId="7a74854cc4279276" providerId="LiveId" clId="{E16AABA7-2624-4CA0-841E-D0A7C264C076}" dt="2025-05-14T02:18:10.707" v="629"/>
+          <ac:picMkLst>
+            <pc:docMk/>
+            <pc:sldMk cId="2129968641" sldId="258"/>
+            <ac:picMk id="12" creationId="{B591CDC5-6B61-4116-B3B5-0FF42B6E606D}"/>
+          </ac:picMkLst>
+        </pc:picChg>
+        <pc:cxnChg chg="add del">
+          <ac:chgData name="Benjamin Green" userId="7a74854cc4279276" providerId="LiveId" clId="{E16AABA7-2624-4CA0-841E-D0A7C264C076}" dt="2025-05-14T02:18:10.707" v="629"/>
+          <ac:cxnSpMkLst>
+            <pc:docMk/>
+            <pc:sldMk cId="2129968641" sldId="258"/>
+            <ac:cxnSpMk id="14" creationId="{25B08984-5BEB-422F-A364-2B41E6A516EB}"/>
+          </ac:cxnSpMkLst>
+        </pc:cxnChg>
+        <pc:cxnChg chg="add del">
+          <ac:chgData name="Benjamin Green" userId="7a74854cc4279276" providerId="LiveId" clId="{E16AABA7-2624-4CA0-841E-D0A7C264C076}" dt="2025-05-14T02:18:10.707" v="629"/>
+          <ac:cxnSpMkLst>
+            <pc:docMk/>
+            <pc:sldMk cId="2129968641" sldId="258"/>
+            <ac:cxnSpMk id="16" creationId="{A8F413B1-54E0-4B16-92AB-1CC5C7D645BC}"/>
+          </ac:cxnSpMkLst>
+        </pc:cxnChg>
+        <pc:cxnChg chg="add del">
+          <ac:chgData name="Benjamin Green" userId="7a74854cc4279276" providerId="LiveId" clId="{E16AABA7-2624-4CA0-841E-D0A7C264C076}" dt="2025-05-14T02:18:10.707" v="629"/>
+          <ac:cxnSpMkLst>
+            <pc:docMk/>
+            <pc:sldMk cId="2129968641" sldId="258"/>
+            <ac:cxnSpMk id="20" creationId="{3781A10F-5DF6-4C9B-AE0B-5249E4399D26}"/>
+          </ac:cxnSpMkLst>
+        </pc:cxnChg>
       </pc:sldChg>
       <pc:sldMasterChg chg="del delSldLayout">
         <pc:chgData name="Benjamin Green" userId="7a74854cc4279276" providerId="LiveId" clId="{E16AABA7-2624-4CA0-841E-D0A7C264C076}" dt="2025-05-06T15:33:06.936" v="0" actId="26606"/>
@@ -428,7 +537,7 @@
           <p:cNvPr id="2" name="Title 1">
             <a:extLst>
               <a:ext uri="{FF2B5EF4-FFF2-40B4-BE49-F238E27FC236}">
-                <a16:creationId xmlns:a16="http://schemas.microsoft.com/office/drawing/2014/main" id="{2B80C4F9-5EE7-47B7-B965-368EB53A4352}"/>
+                <a16:creationId xmlns:a16="http://schemas.microsoft.com/office/drawing/2014/main" id="{CB3297D1-9E35-7279-8D58-3036B779C518}"/>
               </a:ext>
             </a:extLst>
           </p:cNvPr>
@@ -441,17 +550,15 @@
         </p:nvSpPr>
         <p:spPr>
           <a:xfrm>
-            <a:off x="647700" y="1181099"/>
-            <a:ext cx="6864724" cy="3581399"/>
+            <a:off x="1524000" y="1122363"/>
+            <a:ext cx="9144000" cy="2387600"/>
           </a:xfrm>
         </p:spPr>
         <p:txBody>
-          <a:bodyPr anchor="b">
-            <a:normAutofit/>
-          </a:bodyPr>
+          <a:bodyPr anchor="b"/>
           <a:lstStyle>
-            <a:lvl1pPr algn="l">
-              <a:defRPr sz="3600"/>
+            <a:lvl1pPr algn="ctr">
+              <a:defRPr sz="6000"/>
             </a:lvl1pPr>
           </a:lstStyle>
           <a:p>
@@ -459,7 +566,6 @@
               <a:rPr lang="en-US"/>
               <a:t>Click to edit Master title style</a:t>
             </a:r>
-            <a:endParaRPr lang="en-US" dirty="0"/>
           </a:p>
         </p:txBody>
       </p:sp>
@@ -468,7 +574,7 @@
           <p:cNvPr id="3" name="Subtitle 2">
             <a:extLst>
               <a:ext uri="{FF2B5EF4-FFF2-40B4-BE49-F238E27FC236}">
-                <a16:creationId xmlns:a16="http://schemas.microsoft.com/office/drawing/2014/main" id="{E7A4A1F1-374F-4FC8-89F7-83065EA4F5DD}"/>
+                <a16:creationId xmlns:a16="http://schemas.microsoft.com/office/drawing/2014/main" id="{802E7F8F-0D3A-6207-9E72-DD11BCAA2E98}"/>
               </a:ext>
             </a:extLst>
           </p:cNvPr>
@@ -481,21 +587,16 @@
         </p:nvSpPr>
         <p:spPr>
           <a:xfrm>
-            <a:off x="647700" y="5075227"/>
-            <a:ext cx="6864724" cy="868374"/>
+            <a:off x="1524000" y="3602038"/>
+            <a:ext cx="9144000" cy="1655762"/>
           </a:xfrm>
         </p:spPr>
         <p:txBody>
-          <a:bodyPr>
-            <a:normAutofit/>
-          </a:bodyPr>
+          <a:bodyPr/>
           <a:lstStyle>
-            <a:lvl1pPr marL="0" indent="0" algn="l">
-              <a:lnSpc>
-                <a:spcPct val="110000"/>
-              </a:lnSpc>
-              <a:buNone/>
-              <a:defRPr sz="1800"/>
+            <a:lvl1pPr marL="0" indent="0" algn="ctr">
+              <a:buNone/>
+              <a:defRPr sz="2400"/>
             </a:lvl1pPr>
             <a:lvl2pPr marL="457200" indent="0" algn="ctr">
               <a:buNone/>
@@ -535,7 +636,6 @@
               <a:rPr lang="en-US"/>
               <a:t>Click to edit Master subtitle style</a:t>
             </a:r>
-            <a:endParaRPr lang="en-US" dirty="0"/>
           </a:p>
         </p:txBody>
       </p:sp>
@@ -544,7 +644,7 @@
           <p:cNvPr id="4" name="Date Placeholder 3">
             <a:extLst>
               <a:ext uri="{FF2B5EF4-FFF2-40B4-BE49-F238E27FC236}">
-                <a16:creationId xmlns:a16="http://schemas.microsoft.com/office/drawing/2014/main" id="{7FB5CB5F-AE9B-4C02-B16F-C462CAFC1963}"/>
+                <a16:creationId xmlns:a16="http://schemas.microsoft.com/office/drawing/2014/main" id="{DE22BEE1-9607-B29A-8B24-A014F5A54ABC}"/>
               </a:ext>
             </a:extLst>
           </p:cNvPr>
@@ -562,7 +662,7 @@
           <a:p>
             <a:fld id="{D341B595-366B-43E2-A22E-EA6A78C03F06}" type="datetimeFigureOut">
               <a:rPr lang="en-US" smtClean="0"/>
-              <a:t>5/6/2025</a:t>
+              <a:t>5/13/2025</a:t>
             </a:fld>
             <a:endParaRPr lang="en-US"/>
           </a:p>
@@ -573,7 +673,7 @@
           <p:cNvPr id="5" name="Footer Placeholder 4">
             <a:extLst>
               <a:ext uri="{FF2B5EF4-FFF2-40B4-BE49-F238E27FC236}">
-                <a16:creationId xmlns:a16="http://schemas.microsoft.com/office/drawing/2014/main" id="{4114B1CC-830B-4695-B174-D9E9100A86F7}"/>
+                <a16:creationId xmlns:a16="http://schemas.microsoft.com/office/drawing/2014/main" id="{0CEAB02C-8279-B629-0A58-7FB8BA320B0B}"/>
               </a:ext>
             </a:extLst>
           </p:cNvPr>
@@ -598,7 +698,7 @@
           <p:cNvPr id="6" name="Slide Number Placeholder 5">
             <a:extLst>
               <a:ext uri="{FF2B5EF4-FFF2-40B4-BE49-F238E27FC236}">
-                <a16:creationId xmlns:a16="http://schemas.microsoft.com/office/drawing/2014/main" id="{03DCD43F-E516-4123-A6D8-DB72C3CC50B2}"/>
+                <a16:creationId xmlns:a16="http://schemas.microsoft.com/office/drawing/2014/main" id="{29CBC132-A11E-DF64-0C10-CB00FE95CB8F}"/>
               </a:ext>
             </a:extLst>
           </p:cNvPr>
@@ -625,7 +725,7 @@
     </p:spTree>
     <p:extLst>
       <p:ext uri="{BB962C8B-B14F-4D97-AF65-F5344CB8AC3E}">
-        <p14:creationId xmlns:p14="http://schemas.microsoft.com/office/powerpoint/2010/main" val="1630938900"/>
+        <p14:creationId xmlns:p14="http://schemas.microsoft.com/office/powerpoint/2010/main" val="2848687831"/>
       </p:ext>
     </p:extLst>
   </p:cSld>
@@ -657,7 +757,7 @@
           <p:cNvPr id="2" name="Title 1">
             <a:extLst>
               <a:ext uri="{FF2B5EF4-FFF2-40B4-BE49-F238E27FC236}">
-                <a16:creationId xmlns:a16="http://schemas.microsoft.com/office/drawing/2014/main" id="{0B08C0AF-44D0-4830-AF13-49B8522BE62E}"/>
+                <a16:creationId xmlns:a16="http://schemas.microsoft.com/office/drawing/2014/main" id="{E074FCB4-4308-1443-A85D-B115A4294AFA}"/>
               </a:ext>
             </a:extLst>
           </p:cNvPr>
@@ -685,7 +785,7 @@
           <p:cNvPr id="3" name="Vertical Text Placeholder 2">
             <a:extLst>
               <a:ext uri="{FF2B5EF4-FFF2-40B4-BE49-F238E27FC236}">
-                <a16:creationId xmlns:a16="http://schemas.microsoft.com/office/drawing/2014/main" id="{E61B4D8C-6045-47B3-9A0C-F2215A904C55}"/>
+                <a16:creationId xmlns:a16="http://schemas.microsoft.com/office/drawing/2014/main" id="{DC13C90C-6852-D8AE-1949-F96A666FD673}"/>
               </a:ext>
             </a:extLst>
           </p:cNvPr>
@@ -742,7 +842,7 @@
           <p:cNvPr id="4" name="Date Placeholder 3">
             <a:extLst>
               <a:ext uri="{FF2B5EF4-FFF2-40B4-BE49-F238E27FC236}">
-                <a16:creationId xmlns:a16="http://schemas.microsoft.com/office/drawing/2014/main" id="{7C19A9F1-F398-416A-A8C0-0A36D838DD15}"/>
+                <a16:creationId xmlns:a16="http://schemas.microsoft.com/office/drawing/2014/main" id="{666C002D-1753-447E-D682-C8824A100A8B}"/>
               </a:ext>
             </a:extLst>
           </p:cNvPr>
@@ -760,7 +860,7 @@
           <a:p>
             <a:fld id="{D341B595-366B-43E2-A22E-EA6A78C03F06}" type="datetimeFigureOut">
               <a:rPr lang="en-US" smtClean="0"/>
-              <a:t>5/6/2025</a:t>
+              <a:t>5/13/2025</a:t>
             </a:fld>
             <a:endParaRPr lang="en-US"/>
           </a:p>
@@ -771,7 +871,7 @@
           <p:cNvPr id="5" name="Footer Placeholder 4">
             <a:extLst>
               <a:ext uri="{FF2B5EF4-FFF2-40B4-BE49-F238E27FC236}">
-                <a16:creationId xmlns:a16="http://schemas.microsoft.com/office/drawing/2014/main" id="{6E37F801-C9FB-4A34-8386-BA9FBACCBC3C}"/>
+                <a16:creationId xmlns:a16="http://schemas.microsoft.com/office/drawing/2014/main" id="{8D29F6C4-7A6C-5866-A116-EDE71D6E2E51}"/>
               </a:ext>
             </a:extLst>
           </p:cNvPr>
@@ -796,7 +896,7 @@
           <p:cNvPr id="6" name="Slide Number Placeholder 5">
             <a:extLst>
               <a:ext uri="{FF2B5EF4-FFF2-40B4-BE49-F238E27FC236}">
-                <a16:creationId xmlns:a16="http://schemas.microsoft.com/office/drawing/2014/main" id="{B8E05176-F6E9-4997-8355-74F2A4560A65}"/>
+                <a16:creationId xmlns:a16="http://schemas.microsoft.com/office/drawing/2014/main" id="{C5037CE1-9BD0-52EA-16F7-3D93EC2AA5A4}"/>
               </a:ext>
             </a:extLst>
           </p:cNvPr>
@@ -823,7 +923,7 @@
     </p:spTree>
     <p:extLst>
       <p:ext uri="{BB962C8B-B14F-4D97-AF65-F5344CB8AC3E}">
-        <p14:creationId xmlns:p14="http://schemas.microsoft.com/office/powerpoint/2010/main" val="379122439"/>
+        <p14:creationId xmlns:p14="http://schemas.microsoft.com/office/powerpoint/2010/main" val="2235609602"/>
       </p:ext>
     </p:extLst>
   </p:cSld>
@@ -855,7 +955,7 @@
           <p:cNvPr id="2" name="Vertical Title 1">
             <a:extLst>
               <a:ext uri="{FF2B5EF4-FFF2-40B4-BE49-F238E27FC236}">
-                <a16:creationId xmlns:a16="http://schemas.microsoft.com/office/drawing/2014/main" id="{CBEBC807-13E1-4F3F-83FA-FD9BD24F3B1F}"/>
+                <a16:creationId xmlns:a16="http://schemas.microsoft.com/office/drawing/2014/main" id="{5EC8085B-F6DC-C1F9-F491-8C422C7A8C1D}"/>
               </a:ext>
             </a:extLst>
           </p:cNvPr>
@@ -868,8 +968,8 @@
         </p:nvSpPr>
         <p:spPr>
           <a:xfrm>
-            <a:off x="8986520" y="647699"/>
-            <a:ext cx="2291080" cy="5295901"/>
+            <a:off x="8724900" y="365125"/>
+            <a:ext cx="2628900" cy="5811838"/>
           </a:xfrm>
         </p:spPr>
         <p:txBody>
@@ -880,7 +980,6 @@
               <a:rPr lang="en-US"/>
               <a:t>Click to edit Master title style</a:t>
             </a:r>
-            <a:endParaRPr lang="en-US" dirty="0"/>
           </a:p>
         </p:txBody>
       </p:sp>
@@ -889,7 +988,7 @@
           <p:cNvPr id="3" name="Vertical Text Placeholder 2">
             <a:extLst>
               <a:ext uri="{FF2B5EF4-FFF2-40B4-BE49-F238E27FC236}">
-                <a16:creationId xmlns:a16="http://schemas.microsoft.com/office/drawing/2014/main" id="{9B7E2EAA-155E-482E-A2B8-547653B253EE}"/>
+                <a16:creationId xmlns:a16="http://schemas.microsoft.com/office/drawing/2014/main" id="{AEEE96C8-08B4-7879-482F-A32991FBA88C}"/>
               </a:ext>
             </a:extLst>
           </p:cNvPr>
@@ -902,8 +1001,8 @@
         </p:nvSpPr>
         <p:spPr>
           <a:xfrm>
-            <a:off x="652371" y="647699"/>
-            <a:ext cx="8120789" cy="5295901"/>
+            <a:off x="838200" y="365125"/>
+            <a:ext cx="7734300" cy="5811838"/>
           </a:xfrm>
         </p:spPr>
         <p:txBody>
@@ -951,7 +1050,7 @@
           <p:cNvPr id="4" name="Date Placeholder 3">
             <a:extLst>
               <a:ext uri="{FF2B5EF4-FFF2-40B4-BE49-F238E27FC236}">
-                <a16:creationId xmlns:a16="http://schemas.microsoft.com/office/drawing/2014/main" id="{3C4A4BDC-BDD0-417D-AF7C-516EE556D7E4}"/>
+                <a16:creationId xmlns:a16="http://schemas.microsoft.com/office/drawing/2014/main" id="{94D0F937-9300-2B8E-3965-BE93794F0522}"/>
               </a:ext>
             </a:extLst>
           </p:cNvPr>
@@ -969,7 +1068,7 @@
           <a:p>
             <a:fld id="{D341B595-366B-43E2-A22E-EA6A78C03F06}" type="datetimeFigureOut">
               <a:rPr lang="en-US" smtClean="0"/>
-              <a:t>5/6/2025</a:t>
+              <a:t>5/13/2025</a:t>
             </a:fld>
             <a:endParaRPr lang="en-US"/>
           </a:p>
@@ -980,7 +1079,7 @@
           <p:cNvPr id="5" name="Footer Placeholder 4">
             <a:extLst>
               <a:ext uri="{FF2B5EF4-FFF2-40B4-BE49-F238E27FC236}">
-                <a16:creationId xmlns:a16="http://schemas.microsoft.com/office/drawing/2014/main" id="{0EF663EC-23F9-4202-80F3-F8E550884F61}"/>
+                <a16:creationId xmlns:a16="http://schemas.microsoft.com/office/drawing/2014/main" id="{A6DE8BE9-307E-464C-AE14-5270D5F6E2B0}"/>
               </a:ext>
             </a:extLst>
           </p:cNvPr>
@@ -1005,7 +1104,7 @@
           <p:cNvPr id="6" name="Slide Number Placeholder 5">
             <a:extLst>
               <a:ext uri="{FF2B5EF4-FFF2-40B4-BE49-F238E27FC236}">
-                <a16:creationId xmlns:a16="http://schemas.microsoft.com/office/drawing/2014/main" id="{DAC8402D-7367-485B-AEA6-5AB2B8209D19}"/>
+                <a16:creationId xmlns:a16="http://schemas.microsoft.com/office/drawing/2014/main" id="{3A3B8F90-EEA0-0ACC-39D1-0E7EB63A76E9}"/>
               </a:ext>
             </a:extLst>
           </p:cNvPr>
@@ -1032,7 +1131,7 @@
     </p:spTree>
     <p:extLst>
       <p:ext uri="{BB962C8B-B14F-4D97-AF65-F5344CB8AC3E}">
-        <p14:creationId xmlns:p14="http://schemas.microsoft.com/office/powerpoint/2010/main" val="1619863651"/>
+        <p14:creationId xmlns:p14="http://schemas.microsoft.com/office/powerpoint/2010/main" val="1020772710"/>
       </p:ext>
     </p:extLst>
   </p:cSld>
@@ -1064,7 +1163,7 @@
           <p:cNvPr id="2" name="Title 1">
             <a:extLst>
               <a:ext uri="{FF2B5EF4-FFF2-40B4-BE49-F238E27FC236}">
-                <a16:creationId xmlns:a16="http://schemas.microsoft.com/office/drawing/2014/main" id="{9B0FF197-4D72-4945-8068-57D52018E6C9}"/>
+                <a16:creationId xmlns:a16="http://schemas.microsoft.com/office/drawing/2014/main" id="{F4955F94-954B-3A6C-570A-B34AA72B85E3}"/>
               </a:ext>
             </a:extLst>
           </p:cNvPr>
@@ -1092,7 +1191,7 @@
           <p:cNvPr id="3" name="Content Placeholder 2">
             <a:extLst>
               <a:ext uri="{FF2B5EF4-FFF2-40B4-BE49-F238E27FC236}">
-                <a16:creationId xmlns:a16="http://schemas.microsoft.com/office/drawing/2014/main" id="{88C81FA8-039D-4BAF-8AAB-7B6616AFEEC6}"/>
+                <a16:creationId xmlns:a16="http://schemas.microsoft.com/office/drawing/2014/main" id="{120570CD-9C17-E43C-4E0C-B5011DF6D34E}"/>
               </a:ext>
             </a:extLst>
           </p:cNvPr>
@@ -1149,7 +1248,7 @@
           <p:cNvPr id="4" name="Date Placeholder 3">
             <a:extLst>
               <a:ext uri="{FF2B5EF4-FFF2-40B4-BE49-F238E27FC236}">
-                <a16:creationId xmlns:a16="http://schemas.microsoft.com/office/drawing/2014/main" id="{7727357F-46A1-493A-A5E4-1D7FAE5B9960}"/>
+                <a16:creationId xmlns:a16="http://schemas.microsoft.com/office/drawing/2014/main" id="{D277A935-BD70-3CAE-1CE1-182AE586E7F7}"/>
               </a:ext>
             </a:extLst>
           </p:cNvPr>
@@ -1167,7 +1266,7 @@
           <a:p>
             <a:fld id="{D341B595-366B-43E2-A22E-EA6A78C03F06}" type="datetimeFigureOut">
               <a:rPr lang="en-US" smtClean="0"/>
-              <a:t>5/6/2025</a:t>
+              <a:t>5/13/2025</a:t>
             </a:fld>
             <a:endParaRPr lang="en-US"/>
           </a:p>
@@ -1178,7 +1277,7 @@
           <p:cNvPr id="5" name="Footer Placeholder 4">
             <a:extLst>
               <a:ext uri="{FF2B5EF4-FFF2-40B4-BE49-F238E27FC236}">
-                <a16:creationId xmlns:a16="http://schemas.microsoft.com/office/drawing/2014/main" id="{C57277BC-26F9-4B14-A2DC-C7575C5A6393}"/>
+                <a16:creationId xmlns:a16="http://schemas.microsoft.com/office/drawing/2014/main" id="{BB514F75-A466-D87D-2212-93183D6B76BA}"/>
               </a:ext>
             </a:extLst>
           </p:cNvPr>
@@ -1203,7 +1302,7 @@
           <p:cNvPr id="6" name="Slide Number Placeholder 5">
             <a:extLst>
               <a:ext uri="{FF2B5EF4-FFF2-40B4-BE49-F238E27FC236}">
-                <a16:creationId xmlns:a16="http://schemas.microsoft.com/office/drawing/2014/main" id="{107BC3FF-EE25-45FB-A7A8-AAA522F70748}"/>
+                <a16:creationId xmlns:a16="http://schemas.microsoft.com/office/drawing/2014/main" id="{B7DFD0BB-5D37-779C-917D-08B6F1780B96}"/>
               </a:ext>
             </a:extLst>
           </p:cNvPr>
@@ -1230,7 +1329,7 @@
     </p:spTree>
     <p:extLst>
       <p:ext uri="{BB962C8B-B14F-4D97-AF65-F5344CB8AC3E}">
-        <p14:creationId xmlns:p14="http://schemas.microsoft.com/office/powerpoint/2010/main" val="2624803746"/>
+        <p14:creationId xmlns:p14="http://schemas.microsoft.com/office/powerpoint/2010/main" val="3115734422"/>
       </p:ext>
     </p:extLst>
   </p:cSld>
@@ -1262,7 +1361,7 @@
           <p:cNvPr id="2" name="Title 1">
             <a:extLst>
               <a:ext uri="{FF2B5EF4-FFF2-40B4-BE49-F238E27FC236}">
-                <a16:creationId xmlns:a16="http://schemas.microsoft.com/office/drawing/2014/main" id="{1E5596BE-9AF9-4E97-9204-5B672D797384}"/>
+                <a16:creationId xmlns:a16="http://schemas.microsoft.com/office/drawing/2014/main" id="{ED520283-6698-F108-4B7C-E635A90BCCB4}"/>
               </a:ext>
             </a:extLst>
           </p:cNvPr>
@@ -1275,17 +1374,15 @@
         </p:nvSpPr>
         <p:spPr>
           <a:xfrm>
-            <a:off x="1981200" y="2362200"/>
-            <a:ext cx="7696200" cy="2400300"/>
+            <a:off x="831850" y="1709738"/>
+            <a:ext cx="10515600" cy="2852737"/>
           </a:xfrm>
         </p:spPr>
         <p:txBody>
-          <a:bodyPr anchor="b">
-            <a:normAutofit/>
-          </a:bodyPr>
+          <a:bodyPr anchor="b"/>
           <a:lstStyle>
             <a:lvl1pPr>
-              <a:defRPr sz="5400"/>
+              <a:defRPr sz="6000"/>
             </a:lvl1pPr>
           </a:lstStyle>
           <a:p>
@@ -1293,7 +1390,6 @@
               <a:rPr lang="en-US"/>
               <a:t>Click to edit Master title style</a:t>
             </a:r>
-            <a:endParaRPr lang="en-US" dirty="0"/>
           </a:p>
         </p:txBody>
       </p:sp>
@@ -1302,7 +1398,7 @@
           <p:cNvPr id="3" name="Text Placeholder 2">
             <a:extLst>
               <a:ext uri="{FF2B5EF4-FFF2-40B4-BE49-F238E27FC236}">
-                <a16:creationId xmlns:a16="http://schemas.microsoft.com/office/drawing/2014/main" id="{95EDF98A-E8AE-4443-9A8C-CB35DEB2CE60}"/>
+                <a16:creationId xmlns:a16="http://schemas.microsoft.com/office/drawing/2014/main" id="{74C64B8C-2B62-C843-8D08-D7A60ECA37AB}"/>
               </a:ext>
             </a:extLst>
           </p:cNvPr>
@@ -1315,20 +1411,20 @@
         </p:nvSpPr>
         <p:spPr>
           <a:xfrm>
-            <a:off x="1981200" y="5067300"/>
-            <a:ext cx="7696200" cy="876300"/>
+            <a:off x="831850" y="4589463"/>
+            <a:ext cx="10515600" cy="1500187"/>
           </a:xfrm>
         </p:spPr>
         <p:txBody>
-          <a:bodyPr>
-            <a:normAutofit/>
-          </a:bodyPr>
+          <a:bodyPr/>
           <a:lstStyle>
             <a:lvl1pPr marL="0" indent="0">
               <a:buNone/>
-              <a:defRPr sz="2000">
+              <a:defRPr sz="2400">
                 <a:solidFill>
-                  <a:schemeClr val="tx1"/>
+                  <a:schemeClr val="tx1">
+                    <a:tint val="82000"/>
+                  </a:schemeClr>
                 </a:solidFill>
               </a:defRPr>
             </a:lvl1pPr>
@@ -1337,7 +1433,7 @@
               <a:defRPr sz="2000">
                 <a:solidFill>
                   <a:schemeClr val="tx1">
-                    <a:tint val="75000"/>
+                    <a:tint val="82000"/>
                   </a:schemeClr>
                 </a:solidFill>
               </a:defRPr>
@@ -1347,7 +1443,7 @@
               <a:defRPr sz="1800">
                 <a:solidFill>
                   <a:schemeClr val="tx1">
-                    <a:tint val="75000"/>
+                    <a:tint val="82000"/>
                   </a:schemeClr>
                 </a:solidFill>
               </a:defRPr>
@@ -1357,7 +1453,7 @@
               <a:defRPr sz="1600">
                 <a:solidFill>
                   <a:schemeClr val="tx1">
-                    <a:tint val="75000"/>
+                    <a:tint val="82000"/>
                   </a:schemeClr>
                 </a:solidFill>
               </a:defRPr>
@@ -1367,7 +1463,7 @@
               <a:defRPr sz="1600">
                 <a:solidFill>
                   <a:schemeClr val="tx1">
-                    <a:tint val="75000"/>
+                    <a:tint val="82000"/>
                   </a:schemeClr>
                 </a:solidFill>
               </a:defRPr>
@@ -1377,7 +1473,7 @@
               <a:defRPr sz="1600">
                 <a:solidFill>
                   <a:schemeClr val="tx1">
-                    <a:tint val="75000"/>
+                    <a:tint val="82000"/>
                   </a:schemeClr>
                 </a:solidFill>
               </a:defRPr>
@@ -1387,7 +1483,7 @@
               <a:defRPr sz="1600">
                 <a:solidFill>
                   <a:schemeClr val="tx1">
-                    <a:tint val="75000"/>
+                    <a:tint val="82000"/>
                   </a:schemeClr>
                 </a:solidFill>
               </a:defRPr>
@@ -1397,7 +1493,7 @@
               <a:defRPr sz="1600">
                 <a:solidFill>
                   <a:schemeClr val="tx1">
-                    <a:tint val="75000"/>
+                    <a:tint val="82000"/>
                   </a:schemeClr>
                 </a:solidFill>
               </a:defRPr>
@@ -1407,7 +1503,7 @@
               <a:defRPr sz="1600">
                 <a:solidFill>
                   <a:schemeClr val="tx1">
-                    <a:tint val="75000"/>
+                    <a:tint val="82000"/>
                   </a:schemeClr>
                 </a:solidFill>
               </a:defRPr>
@@ -1427,7 +1523,7 @@
           <p:cNvPr id="4" name="Date Placeholder 3">
             <a:extLst>
               <a:ext uri="{FF2B5EF4-FFF2-40B4-BE49-F238E27FC236}">
-                <a16:creationId xmlns:a16="http://schemas.microsoft.com/office/drawing/2014/main" id="{2DB7114B-35CB-40C5-BCC8-C5039524FFC1}"/>
+                <a16:creationId xmlns:a16="http://schemas.microsoft.com/office/drawing/2014/main" id="{40165265-0B94-86B3-AB70-D6B5A61D910A}"/>
               </a:ext>
             </a:extLst>
           </p:cNvPr>
@@ -1445,7 +1541,7 @@
           <a:p>
             <a:fld id="{D341B595-366B-43E2-A22E-EA6A78C03F06}" type="datetimeFigureOut">
               <a:rPr lang="en-US" smtClean="0"/>
-              <a:t>5/6/2025</a:t>
+              <a:t>5/13/2025</a:t>
             </a:fld>
             <a:endParaRPr lang="en-US"/>
           </a:p>
@@ -1456,7 +1552,7 @@
           <p:cNvPr id="5" name="Footer Placeholder 4">
             <a:extLst>
               <a:ext uri="{FF2B5EF4-FFF2-40B4-BE49-F238E27FC236}">
-                <a16:creationId xmlns:a16="http://schemas.microsoft.com/office/drawing/2014/main" id="{7A1AA324-982E-42C4-8002-5F236877CFD5}"/>
+                <a16:creationId xmlns:a16="http://schemas.microsoft.com/office/drawing/2014/main" id="{03B8F1E0-2A37-6800-AC1D-D213AD9991E8}"/>
               </a:ext>
             </a:extLst>
           </p:cNvPr>
@@ -1481,7 +1577,7 @@
           <p:cNvPr id="6" name="Slide Number Placeholder 5">
             <a:extLst>
               <a:ext uri="{FF2B5EF4-FFF2-40B4-BE49-F238E27FC236}">
-                <a16:creationId xmlns:a16="http://schemas.microsoft.com/office/drawing/2014/main" id="{5D401596-9353-4C1A-972E-6522F2B42049}"/>
+                <a16:creationId xmlns:a16="http://schemas.microsoft.com/office/drawing/2014/main" id="{9AC0A638-1676-CE66-A870-DF3A7880F45B}"/>
               </a:ext>
             </a:extLst>
           </p:cNvPr>
@@ -1508,7 +1604,7 @@
     </p:spTree>
     <p:extLst>
       <p:ext uri="{BB962C8B-B14F-4D97-AF65-F5344CB8AC3E}">
-        <p14:creationId xmlns:p14="http://schemas.microsoft.com/office/powerpoint/2010/main" val="2072282032"/>
+        <p14:creationId xmlns:p14="http://schemas.microsoft.com/office/powerpoint/2010/main" val="727962198"/>
       </p:ext>
     </p:extLst>
   </p:cSld>
@@ -1540,7 +1636,7 @@
           <p:cNvPr id="2" name="Title 1">
             <a:extLst>
               <a:ext uri="{FF2B5EF4-FFF2-40B4-BE49-F238E27FC236}">
-                <a16:creationId xmlns:a16="http://schemas.microsoft.com/office/drawing/2014/main" id="{3ABF0BC9-7469-437A-B92B-0A2627E4B9B4}"/>
+                <a16:creationId xmlns:a16="http://schemas.microsoft.com/office/drawing/2014/main" id="{23A8DFB7-F8E2-E11C-140D-D0F980B29D77}"/>
               </a:ext>
             </a:extLst>
           </p:cNvPr>
@@ -1560,7 +1656,6 @@
               <a:rPr lang="en-US"/>
               <a:t>Click to edit Master title style</a:t>
             </a:r>
-            <a:endParaRPr lang="en-US" dirty="0"/>
           </a:p>
         </p:txBody>
       </p:sp>
@@ -1569,7 +1664,7 @@
           <p:cNvPr id="3" name="Content Placeholder 2">
             <a:extLst>
               <a:ext uri="{FF2B5EF4-FFF2-40B4-BE49-F238E27FC236}">
-                <a16:creationId xmlns:a16="http://schemas.microsoft.com/office/drawing/2014/main" id="{A1B7D887-595C-4649-AF8E-E78307000D4A}"/>
+                <a16:creationId xmlns:a16="http://schemas.microsoft.com/office/drawing/2014/main" id="{29FD7FD4-9CF2-B253-BF6B-BDEB67779E46}"/>
               </a:ext>
             </a:extLst>
           </p:cNvPr>
@@ -1582,8 +1677,8 @@
         </p:nvSpPr>
         <p:spPr>
           <a:xfrm>
-            <a:off x="914400" y="1825625"/>
-            <a:ext cx="4991100" cy="4351338"/>
+            <a:off x="838200" y="1825625"/>
+            <a:ext cx="5181600" cy="4351338"/>
           </a:xfrm>
         </p:spPr>
         <p:txBody>
@@ -1623,7 +1718,6 @@
               <a:rPr lang="en-US"/>
               <a:t>Fifth level</a:t>
             </a:r>
-            <a:endParaRPr lang="en-US" dirty="0"/>
           </a:p>
         </p:txBody>
       </p:sp>
@@ -1632,7 +1726,7 @@
           <p:cNvPr id="4" name="Content Placeholder 3">
             <a:extLst>
               <a:ext uri="{FF2B5EF4-FFF2-40B4-BE49-F238E27FC236}">
-                <a16:creationId xmlns:a16="http://schemas.microsoft.com/office/drawing/2014/main" id="{B39FE29C-ED37-4DD9-949F-0024342619E1}"/>
+                <a16:creationId xmlns:a16="http://schemas.microsoft.com/office/drawing/2014/main" id="{7EEF195F-B17A-7CE5-3327-487209C5F904}"/>
               </a:ext>
             </a:extLst>
           </p:cNvPr>
@@ -1645,8 +1739,8 @@
         </p:nvSpPr>
         <p:spPr>
           <a:xfrm>
-            <a:off x="6248400" y="1825625"/>
-            <a:ext cx="5029200" cy="4351338"/>
+            <a:off x="6172200" y="1825625"/>
+            <a:ext cx="5181600" cy="4351338"/>
           </a:xfrm>
         </p:spPr>
         <p:txBody>
@@ -1686,7 +1780,6 @@
               <a:rPr lang="en-US"/>
               <a:t>Fifth level</a:t>
             </a:r>
-            <a:endParaRPr lang="en-US" dirty="0"/>
           </a:p>
         </p:txBody>
       </p:sp>
@@ -1695,7 +1788,7 @@
           <p:cNvPr id="5" name="Date Placeholder 4">
             <a:extLst>
               <a:ext uri="{FF2B5EF4-FFF2-40B4-BE49-F238E27FC236}">
-                <a16:creationId xmlns:a16="http://schemas.microsoft.com/office/drawing/2014/main" id="{A6F6AA34-8CC0-4E5B-8396-0AC75633142B}"/>
+                <a16:creationId xmlns:a16="http://schemas.microsoft.com/office/drawing/2014/main" id="{BC4F3B73-BC42-3F69-D4B6-ECC7F9DACA7A}"/>
               </a:ext>
             </a:extLst>
           </p:cNvPr>
@@ -1713,7 +1806,7 @@
           <a:p>
             <a:fld id="{D341B595-366B-43E2-A22E-EA6A78C03F06}" type="datetimeFigureOut">
               <a:rPr lang="en-US" smtClean="0"/>
-              <a:t>5/6/2025</a:t>
+              <a:t>5/13/2025</a:t>
             </a:fld>
             <a:endParaRPr lang="en-US"/>
           </a:p>
@@ -1724,7 +1817,7 @@
           <p:cNvPr id="6" name="Footer Placeholder 5">
             <a:extLst>
               <a:ext uri="{FF2B5EF4-FFF2-40B4-BE49-F238E27FC236}">
-                <a16:creationId xmlns:a16="http://schemas.microsoft.com/office/drawing/2014/main" id="{28DF7398-73FE-4D27-AFF9-91BEBFED32A5}"/>
+                <a16:creationId xmlns:a16="http://schemas.microsoft.com/office/drawing/2014/main" id="{10DA2314-9BFF-9F49-EA91-D9E6FF016986}"/>
               </a:ext>
             </a:extLst>
           </p:cNvPr>
@@ -1749,7 +1842,7 @@
           <p:cNvPr id="7" name="Slide Number Placeholder 6">
             <a:extLst>
               <a:ext uri="{FF2B5EF4-FFF2-40B4-BE49-F238E27FC236}">
-                <a16:creationId xmlns:a16="http://schemas.microsoft.com/office/drawing/2014/main" id="{11700880-10EE-4115-8BBB-13DDF270DBD1}"/>
+                <a16:creationId xmlns:a16="http://schemas.microsoft.com/office/drawing/2014/main" id="{C4D7151E-4447-B86C-EE17-B47D77D017FA}"/>
               </a:ext>
             </a:extLst>
           </p:cNvPr>
@@ -1776,7 +1869,7 @@
     </p:spTree>
     <p:extLst>
       <p:ext uri="{BB962C8B-B14F-4D97-AF65-F5344CB8AC3E}">
-        <p14:creationId xmlns:p14="http://schemas.microsoft.com/office/powerpoint/2010/main" val="3094033402"/>
+        <p14:creationId xmlns:p14="http://schemas.microsoft.com/office/powerpoint/2010/main" val="4094915962"/>
       </p:ext>
     </p:extLst>
   </p:cSld>
@@ -1808,7 +1901,7 @@
           <p:cNvPr id="2" name="Title 1">
             <a:extLst>
               <a:ext uri="{FF2B5EF4-FFF2-40B4-BE49-F238E27FC236}">
-                <a16:creationId xmlns:a16="http://schemas.microsoft.com/office/drawing/2014/main" id="{C7FF3C9B-D20D-43FA-BA18-D50F86A9127E}"/>
+                <a16:creationId xmlns:a16="http://schemas.microsoft.com/office/drawing/2014/main" id="{CD24C9CD-DC3F-89B6-6BFB-EB193DF46391}"/>
               </a:ext>
             </a:extLst>
           </p:cNvPr>
@@ -1821,8 +1914,8 @@
         </p:nvSpPr>
         <p:spPr>
           <a:xfrm>
-            <a:off x="652371" y="647699"/>
-            <a:ext cx="10625229" cy="1150621"/>
+            <a:off x="839788" y="365125"/>
+            <a:ext cx="10515600" cy="1325563"/>
           </a:xfrm>
         </p:spPr>
         <p:txBody>
@@ -1833,7 +1926,6 @@
               <a:rPr lang="en-US"/>
               <a:t>Click to edit Master title style</a:t>
             </a:r>
-            <a:endParaRPr lang="en-US" dirty="0"/>
           </a:p>
         </p:txBody>
       </p:sp>
@@ -1842,7 +1934,7 @@
           <p:cNvPr id="3" name="Text Placeholder 2">
             <a:extLst>
               <a:ext uri="{FF2B5EF4-FFF2-40B4-BE49-F238E27FC236}">
-                <a16:creationId xmlns:a16="http://schemas.microsoft.com/office/drawing/2014/main" id="{7D52F00A-F4EE-40FC-9325-373840422D52}"/>
+                <a16:creationId xmlns:a16="http://schemas.microsoft.com/office/drawing/2014/main" id="{FE517862-D28F-BE37-DA0C-29B10E0187B0}"/>
               </a:ext>
             </a:extLst>
           </p:cNvPr>
@@ -1855,18 +1947,16 @@
         </p:nvSpPr>
         <p:spPr>
           <a:xfrm>
-            <a:off x="655863" y="1879599"/>
-            <a:ext cx="5157787" cy="675641"/>
+            <a:off x="839788" y="1681163"/>
+            <a:ext cx="5157787" cy="823912"/>
           </a:xfrm>
         </p:spPr>
         <p:txBody>
-          <a:bodyPr anchor="b">
-            <a:noAutofit/>
-          </a:bodyPr>
+          <a:bodyPr anchor="b"/>
           <a:lstStyle>
             <a:lvl1pPr marL="0" indent="0">
               <a:buNone/>
-              <a:defRPr sz="1800" b="1" cap="all" spc="300" baseline="0"/>
+              <a:defRPr sz="2400" b="1"/>
             </a:lvl1pPr>
             <a:lvl2pPr marL="457200" indent="0">
               <a:buNone/>
@@ -1915,7 +2005,7 @@
           <p:cNvPr id="4" name="Content Placeholder 3">
             <a:extLst>
               <a:ext uri="{FF2B5EF4-FFF2-40B4-BE49-F238E27FC236}">
-                <a16:creationId xmlns:a16="http://schemas.microsoft.com/office/drawing/2014/main" id="{EF75DD90-A306-4A8B-A54C-8033B7F7F0E9}"/>
+                <a16:creationId xmlns:a16="http://schemas.microsoft.com/office/drawing/2014/main" id="{85AFA930-A9C4-4268-B77C-4EB20E74B36E}"/>
               </a:ext>
             </a:extLst>
           </p:cNvPr>
@@ -1928,8 +2018,8 @@
         </p:nvSpPr>
         <p:spPr>
           <a:xfrm>
-            <a:off x="655863" y="2560955"/>
-            <a:ext cx="5157787" cy="3649346"/>
+            <a:off x="839788" y="2505075"/>
+            <a:ext cx="5157787" cy="3684588"/>
           </a:xfrm>
         </p:spPr>
         <p:txBody>
@@ -1969,7 +2059,6 @@
               <a:rPr lang="en-US"/>
               <a:t>Fifth level</a:t>
             </a:r>
-            <a:endParaRPr lang="en-US" dirty="0"/>
           </a:p>
         </p:txBody>
       </p:sp>
@@ -1978,7 +2067,7 @@
           <p:cNvPr id="5" name="Text Placeholder 4">
             <a:extLst>
               <a:ext uri="{FF2B5EF4-FFF2-40B4-BE49-F238E27FC236}">
-                <a16:creationId xmlns:a16="http://schemas.microsoft.com/office/drawing/2014/main" id="{2040E0AA-F8F8-4862-B27B-50FAF2F34DE0}"/>
+                <a16:creationId xmlns:a16="http://schemas.microsoft.com/office/drawing/2014/main" id="{B014D870-6791-07DB-4633-85CA08AE7F77}"/>
               </a:ext>
             </a:extLst>
           </p:cNvPr>
@@ -1991,18 +2080,16 @@
         </p:nvSpPr>
         <p:spPr>
           <a:xfrm>
-            <a:off x="6094412" y="1879599"/>
-            <a:ext cx="5183188" cy="675641"/>
+            <a:off x="6172200" y="1681163"/>
+            <a:ext cx="5183188" cy="823912"/>
           </a:xfrm>
         </p:spPr>
         <p:txBody>
-          <a:bodyPr anchor="b">
-            <a:noAutofit/>
-          </a:bodyPr>
+          <a:bodyPr anchor="b"/>
           <a:lstStyle>
             <a:lvl1pPr marL="0" indent="0">
               <a:buNone/>
-              <a:defRPr sz="1800" b="1" cap="all" spc="300" baseline="0"/>
+              <a:defRPr sz="2400" b="1"/>
             </a:lvl1pPr>
             <a:lvl2pPr marL="457200" indent="0">
               <a:buNone/>
@@ -2051,7 +2138,7 @@
           <p:cNvPr id="6" name="Content Placeholder 5">
             <a:extLst>
               <a:ext uri="{FF2B5EF4-FFF2-40B4-BE49-F238E27FC236}">
-                <a16:creationId xmlns:a16="http://schemas.microsoft.com/office/drawing/2014/main" id="{E9FEBDD6-EDA1-4CE7-9DDC-9D977E12DDAB}"/>
+                <a16:creationId xmlns:a16="http://schemas.microsoft.com/office/drawing/2014/main" id="{6C4E4B10-5C7D-1977-234E-CE3BFBE0DECC}"/>
               </a:ext>
             </a:extLst>
           </p:cNvPr>
@@ -2064,8 +2151,8 @@
         </p:nvSpPr>
         <p:spPr>
           <a:xfrm>
-            <a:off x="6094412" y="2560955"/>
-            <a:ext cx="5183188" cy="3649346"/>
+            <a:off x="6172200" y="2505075"/>
+            <a:ext cx="5183188" cy="3684588"/>
           </a:xfrm>
         </p:spPr>
         <p:txBody>
@@ -2105,7 +2192,6 @@
               <a:rPr lang="en-US"/>
               <a:t>Fifth level</a:t>
             </a:r>
-            <a:endParaRPr lang="en-US" dirty="0"/>
           </a:p>
         </p:txBody>
       </p:sp>
@@ -2114,7 +2200,7 @@
           <p:cNvPr id="7" name="Date Placeholder 6">
             <a:extLst>
               <a:ext uri="{FF2B5EF4-FFF2-40B4-BE49-F238E27FC236}">
-                <a16:creationId xmlns:a16="http://schemas.microsoft.com/office/drawing/2014/main" id="{E0044487-D350-4434-A5C7-A96942FFC95E}"/>
+                <a16:creationId xmlns:a16="http://schemas.microsoft.com/office/drawing/2014/main" id="{1B1BE2F1-75E6-C1C8-882B-06FB73AE62EC}"/>
               </a:ext>
             </a:extLst>
           </p:cNvPr>
@@ -2132,7 +2218,7 @@
           <a:p>
             <a:fld id="{D341B595-366B-43E2-A22E-EA6A78C03F06}" type="datetimeFigureOut">
               <a:rPr lang="en-US" smtClean="0"/>
-              <a:t>5/6/2025</a:t>
+              <a:t>5/13/2025</a:t>
             </a:fld>
             <a:endParaRPr lang="en-US"/>
           </a:p>
@@ -2143,7 +2229,7 @@
           <p:cNvPr id="8" name="Footer Placeholder 7">
             <a:extLst>
               <a:ext uri="{FF2B5EF4-FFF2-40B4-BE49-F238E27FC236}">
-                <a16:creationId xmlns:a16="http://schemas.microsoft.com/office/drawing/2014/main" id="{3389DC43-E591-42BF-82EE-E4887E4BC53A}"/>
+                <a16:creationId xmlns:a16="http://schemas.microsoft.com/office/drawing/2014/main" id="{3FBF0ED5-24C4-8432-A16E-6217ED7D5F8E}"/>
               </a:ext>
             </a:extLst>
           </p:cNvPr>
@@ -2168,7 +2254,7 @@
           <p:cNvPr id="9" name="Slide Number Placeholder 8">
             <a:extLst>
               <a:ext uri="{FF2B5EF4-FFF2-40B4-BE49-F238E27FC236}">
-                <a16:creationId xmlns:a16="http://schemas.microsoft.com/office/drawing/2014/main" id="{568CD421-2D00-41DD-A393-4739E389D95E}"/>
+                <a16:creationId xmlns:a16="http://schemas.microsoft.com/office/drawing/2014/main" id="{4C533222-934B-0ADC-E764-79A3CECA982D}"/>
               </a:ext>
             </a:extLst>
           </p:cNvPr>
@@ -2195,7 +2281,7 @@
     </p:spTree>
     <p:extLst>
       <p:ext uri="{BB962C8B-B14F-4D97-AF65-F5344CB8AC3E}">
-        <p14:creationId xmlns:p14="http://schemas.microsoft.com/office/powerpoint/2010/main" val="950635657"/>
+        <p14:creationId xmlns:p14="http://schemas.microsoft.com/office/powerpoint/2010/main" val="201846840"/>
       </p:ext>
     </p:extLst>
   </p:cSld>
@@ -2227,7 +2313,7 @@
           <p:cNvPr id="2" name="Title 1">
             <a:extLst>
               <a:ext uri="{FF2B5EF4-FFF2-40B4-BE49-F238E27FC236}">
-                <a16:creationId xmlns:a16="http://schemas.microsoft.com/office/drawing/2014/main" id="{2C239A8B-0FAF-431C-9657-9003FA037317}"/>
+                <a16:creationId xmlns:a16="http://schemas.microsoft.com/office/drawing/2014/main" id="{BBDF8590-1E97-1E48-C9DE-37693572A7AF}"/>
               </a:ext>
             </a:extLst>
           </p:cNvPr>
@@ -2255,7 +2341,7 @@
           <p:cNvPr id="3" name="Date Placeholder 2">
             <a:extLst>
               <a:ext uri="{FF2B5EF4-FFF2-40B4-BE49-F238E27FC236}">
-                <a16:creationId xmlns:a16="http://schemas.microsoft.com/office/drawing/2014/main" id="{51BBA2A1-331D-40F8-867B-CE15011360A1}"/>
+                <a16:creationId xmlns:a16="http://schemas.microsoft.com/office/drawing/2014/main" id="{09A373DE-E7A9-D597-A784-A87B528415B9}"/>
               </a:ext>
             </a:extLst>
           </p:cNvPr>
@@ -2273,7 +2359,7 @@
           <a:p>
             <a:fld id="{D341B595-366B-43E2-A22E-EA6A78C03F06}" type="datetimeFigureOut">
               <a:rPr lang="en-US" smtClean="0"/>
-              <a:t>5/6/2025</a:t>
+              <a:t>5/13/2025</a:t>
             </a:fld>
             <a:endParaRPr lang="en-US"/>
           </a:p>
@@ -2284,7 +2370,7 @@
           <p:cNvPr id="4" name="Footer Placeholder 3">
             <a:extLst>
               <a:ext uri="{FF2B5EF4-FFF2-40B4-BE49-F238E27FC236}">
-                <a16:creationId xmlns:a16="http://schemas.microsoft.com/office/drawing/2014/main" id="{850995C1-5121-47B6-AC6D-F60C0FF6635F}"/>
+                <a16:creationId xmlns:a16="http://schemas.microsoft.com/office/drawing/2014/main" id="{FB6911FE-A083-00E2-BD7B-781F22CFD9B0}"/>
               </a:ext>
             </a:extLst>
           </p:cNvPr>
@@ -2309,7 +2395,7 @@
           <p:cNvPr id="5" name="Slide Number Placeholder 4">
             <a:extLst>
               <a:ext uri="{FF2B5EF4-FFF2-40B4-BE49-F238E27FC236}">
-                <a16:creationId xmlns:a16="http://schemas.microsoft.com/office/drawing/2014/main" id="{DEDBE022-9B54-431C-80D5-5D8F2AFCB920}"/>
+                <a16:creationId xmlns:a16="http://schemas.microsoft.com/office/drawing/2014/main" id="{74D280CB-1218-325F-5567-62BE575DBC1E}"/>
               </a:ext>
             </a:extLst>
           </p:cNvPr>
@@ -2336,7 +2422,7 @@
     </p:spTree>
     <p:extLst>
       <p:ext uri="{BB962C8B-B14F-4D97-AF65-F5344CB8AC3E}">
-        <p14:creationId xmlns:p14="http://schemas.microsoft.com/office/powerpoint/2010/main" val="387470606"/>
+        <p14:creationId xmlns:p14="http://schemas.microsoft.com/office/powerpoint/2010/main" val="2087158566"/>
       </p:ext>
     </p:extLst>
   </p:cSld>
@@ -2368,7 +2454,7 @@
           <p:cNvPr id="2" name="Date Placeholder 1">
             <a:extLst>
               <a:ext uri="{FF2B5EF4-FFF2-40B4-BE49-F238E27FC236}">
-                <a16:creationId xmlns:a16="http://schemas.microsoft.com/office/drawing/2014/main" id="{5015B6E5-6347-41F6-85FC-3BF3652D1BC3}"/>
+                <a16:creationId xmlns:a16="http://schemas.microsoft.com/office/drawing/2014/main" id="{68F9FC7D-F01E-EEC7-F7BC-567B95A00A9A}"/>
               </a:ext>
             </a:extLst>
           </p:cNvPr>
@@ -2386,7 +2472,7 @@
           <a:p>
             <a:fld id="{D341B595-366B-43E2-A22E-EA6A78C03F06}" type="datetimeFigureOut">
               <a:rPr lang="en-US" smtClean="0"/>
-              <a:t>5/6/2025</a:t>
+              <a:t>5/13/2025</a:t>
             </a:fld>
             <a:endParaRPr lang="en-US"/>
           </a:p>
@@ -2397,7 +2483,7 @@
           <p:cNvPr id="3" name="Footer Placeholder 2">
             <a:extLst>
               <a:ext uri="{FF2B5EF4-FFF2-40B4-BE49-F238E27FC236}">
-                <a16:creationId xmlns:a16="http://schemas.microsoft.com/office/drawing/2014/main" id="{1C6A93F6-45F8-4453-B5DC-B2F3D5D0B50A}"/>
+                <a16:creationId xmlns:a16="http://schemas.microsoft.com/office/drawing/2014/main" id="{D2520715-43FC-0DB0-DCDD-4829BD6E3D20}"/>
               </a:ext>
             </a:extLst>
           </p:cNvPr>
@@ -2422,7 +2508,7 @@
           <p:cNvPr id="4" name="Slide Number Placeholder 3">
             <a:extLst>
               <a:ext uri="{FF2B5EF4-FFF2-40B4-BE49-F238E27FC236}">
-                <a16:creationId xmlns:a16="http://schemas.microsoft.com/office/drawing/2014/main" id="{7EE364E1-213B-4AF0-80D7-8101EFD5E410}"/>
+                <a16:creationId xmlns:a16="http://schemas.microsoft.com/office/drawing/2014/main" id="{CE8A0B25-95A2-8408-15FB-121129C379C6}"/>
               </a:ext>
             </a:extLst>
           </p:cNvPr>
@@ -2449,7 +2535,7 @@
     </p:spTree>
     <p:extLst>
       <p:ext uri="{BB962C8B-B14F-4D97-AF65-F5344CB8AC3E}">
-        <p14:creationId xmlns:p14="http://schemas.microsoft.com/office/powerpoint/2010/main" val="227708029"/>
+        <p14:creationId xmlns:p14="http://schemas.microsoft.com/office/powerpoint/2010/main" val="283711914"/>
       </p:ext>
     </p:extLst>
   </p:cSld>
@@ -2481,7 +2567,7 @@
           <p:cNvPr id="2" name="Title 1">
             <a:extLst>
               <a:ext uri="{FF2B5EF4-FFF2-40B4-BE49-F238E27FC236}">
-                <a16:creationId xmlns:a16="http://schemas.microsoft.com/office/drawing/2014/main" id="{A1290B5D-E76D-4797-AD77-15625D675F3A}"/>
+                <a16:creationId xmlns:a16="http://schemas.microsoft.com/office/drawing/2014/main" id="{198A39F4-E0D9-2DD2-E6E3-6BD7EDC4E6B3}"/>
               </a:ext>
             </a:extLst>
           </p:cNvPr>
@@ -2494,14 +2580,12 @@
         </p:nvSpPr>
         <p:spPr>
           <a:xfrm>
-            <a:off x="652372" y="647700"/>
-            <a:ext cx="4119654" cy="1714500"/>
+            <a:off x="839788" y="457200"/>
+            <a:ext cx="3932237" cy="1600200"/>
           </a:xfrm>
         </p:spPr>
         <p:txBody>
-          <a:bodyPr anchor="b">
-            <a:noAutofit/>
-          </a:bodyPr>
+          <a:bodyPr anchor="b"/>
           <a:lstStyle>
             <a:lvl1pPr>
               <a:defRPr sz="3200"/>
@@ -2512,7 +2596,6 @@
               <a:rPr lang="en-US"/>
               <a:t>Click to edit Master title style</a:t>
             </a:r>
-            <a:endParaRPr lang="en-US" dirty="0"/>
           </a:p>
         </p:txBody>
       </p:sp>
@@ -2521,7 +2604,7 @@
           <p:cNvPr id="3" name="Content Placeholder 2">
             <a:extLst>
               <a:ext uri="{FF2B5EF4-FFF2-40B4-BE49-F238E27FC236}">
-                <a16:creationId xmlns:a16="http://schemas.microsoft.com/office/drawing/2014/main" id="{99744D8D-C9CF-43B2-905D-2368B17A539A}"/>
+                <a16:creationId xmlns:a16="http://schemas.microsoft.com/office/drawing/2014/main" id="{61219B46-ED1C-5C0A-CC52-0B64FB0296EB}"/>
               </a:ext>
             </a:extLst>
           </p:cNvPr>
@@ -2534,8 +2617,8 @@
         </p:nvSpPr>
         <p:spPr>
           <a:xfrm>
-            <a:off x="5540188" y="914400"/>
-            <a:ext cx="5737412" cy="5029199"/>
+            <a:off x="5183188" y="987425"/>
+            <a:ext cx="6172200" cy="4873625"/>
           </a:xfrm>
         </p:spPr>
         <p:txBody>
@@ -2603,7 +2686,6 @@
               <a:rPr lang="en-US"/>
               <a:t>Fifth level</a:t>
             </a:r>
-            <a:endParaRPr lang="en-US" dirty="0"/>
           </a:p>
         </p:txBody>
       </p:sp>
@@ -2612,7 +2694,7 @@
           <p:cNvPr id="4" name="Text Placeholder 3">
             <a:extLst>
               <a:ext uri="{FF2B5EF4-FFF2-40B4-BE49-F238E27FC236}">
-                <a16:creationId xmlns:a16="http://schemas.microsoft.com/office/drawing/2014/main" id="{F1B4BF0C-D14C-46D7-ACDD-1885DDD883F1}"/>
+                <a16:creationId xmlns:a16="http://schemas.microsoft.com/office/drawing/2014/main" id="{38F8ED83-E0CC-D608-B2A5-243689509981}"/>
               </a:ext>
             </a:extLst>
           </p:cNvPr>
@@ -2625,8 +2707,8 @@
         </p:nvSpPr>
         <p:spPr>
           <a:xfrm>
-            <a:off x="652372" y="2697479"/>
-            <a:ext cx="4119654" cy="3246119"/>
+            <a:off x="839788" y="2057400"/>
+            <a:ext cx="3932237" cy="3811588"/>
           </a:xfrm>
         </p:spPr>
         <p:txBody>
@@ -2683,7 +2765,7 @@
           <p:cNvPr id="5" name="Date Placeholder 4">
             <a:extLst>
               <a:ext uri="{FF2B5EF4-FFF2-40B4-BE49-F238E27FC236}">
-                <a16:creationId xmlns:a16="http://schemas.microsoft.com/office/drawing/2014/main" id="{8BFD7D8D-72E7-4ABD-BB87-80BB49003104}"/>
+                <a16:creationId xmlns:a16="http://schemas.microsoft.com/office/drawing/2014/main" id="{BCD95C66-E485-83E6-DB43-552BDFC823DA}"/>
               </a:ext>
             </a:extLst>
           </p:cNvPr>
@@ -2701,7 +2783,7 @@
           <a:p>
             <a:fld id="{D341B595-366B-43E2-A22E-EA6A78C03F06}" type="datetimeFigureOut">
               <a:rPr lang="en-US" smtClean="0"/>
-              <a:t>5/6/2025</a:t>
+              <a:t>5/13/2025</a:t>
             </a:fld>
             <a:endParaRPr lang="en-US"/>
           </a:p>
@@ -2712,7 +2794,7 @@
           <p:cNvPr id="6" name="Footer Placeholder 5">
             <a:extLst>
               <a:ext uri="{FF2B5EF4-FFF2-40B4-BE49-F238E27FC236}">
-                <a16:creationId xmlns:a16="http://schemas.microsoft.com/office/drawing/2014/main" id="{A9D9C1CE-C8CE-4364-A021-ADC2D6472609}"/>
+                <a16:creationId xmlns:a16="http://schemas.microsoft.com/office/drawing/2014/main" id="{FAFF537C-3892-8D71-70E7-37FC157D0F00}"/>
               </a:ext>
             </a:extLst>
           </p:cNvPr>
@@ -2737,7 +2819,7 @@
           <p:cNvPr id="7" name="Slide Number Placeholder 6">
             <a:extLst>
               <a:ext uri="{FF2B5EF4-FFF2-40B4-BE49-F238E27FC236}">
-                <a16:creationId xmlns:a16="http://schemas.microsoft.com/office/drawing/2014/main" id="{6AE6FA33-09EF-495A-853E-63750CA37AC2}"/>
+                <a16:creationId xmlns:a16="http://schemas.microsoft.com/office/drawing/2014/main" id="{71427C11-2AD8-6A24-291D-E4BC2B18F210}"/>
               </a:ext>
             </a:extLst>
           </p:cNvPr>
@@ -2764,7 +2846,7 @@
     </p:spTree>
     <p:extLst>
       <p:ext uri="{BB962C8B-B14F-4D97-AF65-F5344CB8AC3E}">
-        <p14:creationId xmlns:p14="http://schemas.microsoft.com/office/powerpoint/2010/main" val="2728452143"/>
+        <p14:creationId xmlns:p14="http://schemas.microsoft.com/office/powerpoint/2010/main" val="1175680948"/>
       </p:ext>
     </p:extLst>
   </p:cSld>
@@ -2796,7 +2878,7 @@
           <p:cNvPr id="2" name="Title 1">
             <a:extLst>
               <a:ext uri="{FF2B5EF4-FFF2-40B4-BE49-F238E27FC236}">
-                <a16:creationId xmlns:a16="http://schemas.microsoft.com/office/drawing/2014/main" id="{9EEF023E-952E-40DF-A101-74D22789D534}"/>
+                <a16:creationId xmlns:a16="http://schemas.microsoft.com/office/drawing/2014/main" id="{E9C188CE-495E-1802-B5BA-B726A750BC85}"/>
               </a:ext>
             </a:extLst>
           </p:cNvPr>
@@ -2809,14 +2891,12 @@
         </p:nvSpPr>
         <p:spPr>
           <a:xfrm>
-            <a:off x="652372" y="647700"/>
-            <a:ext cx="4119654" cy="1714500"/>
+            <a:off x="839788" y="457200"/>
+            <a:ext cx="3932237" cy="1600200"/>
           </a:xfrm>
         </p:spPr>
         <p:txBody>
-          <a:bodyPr anchor="b">
-            <a:noAutofit/>
-          </a:bodyPr>
+          <a:bodyPr anchor="b"/>
           <a:lstStyle>
             <a:lvl1pPr>
               <a:defRPr sz="3200"/>
@@ -2827,7 +2907,6 @@
               <a:rPr lang="en-US"/>
               <a:t>Click to edit Master title style</a:t>
             </a:r>
-            <a:endParaRPr lang="en-US" dirty="0"/>
           </a:p>
         </p:txBody>
       </p:sp>
@@ -2836,7 +2915,7 @@
           <p:cNvPr id="3" name="Picture Placeholder 2">
             <a:extLst>
               <a:ext uri="{FF2B5EF4-FFF2-40B4-BE49-F238E27FC236}">
-                <a16:creationId xmlns:a16="http://schemas.microsoft.com/office/drawing/2014/main" id="{841E98DD-BF5D-4CCA-8C66-F2A6CE11271C}"/>
+                <a16:creationId xmlns:a16="http://schemas.microsoft.com/office/drawing/2014/main" id="{853C6EB2-A275-513C-FE64-B805527510C5}"/>
               </a:ext>
             </a:extLst>
           </p:cNvPr>
@@ -2849,8 +2928,8 @@
         </p:nvSpPr>
         <p:spPr>
           <a:xfrm>
-            <a:off x="5486400" y="914400"/>
-            <a:ext cx="5791200" cy="5029199"/>
+            <a:off x="5183188" y="987425"/>
+            <a:ext cx="6172200" cy="4873625"/>
           </a:xfrm>
         </p:spPr>
         <p:txBody>
@@ -2894,10 +2973,7 @@
             </a:lvl9pPr>
           </a:lstStyle>
           <a:p>
-            <a:r>
-              <a:rPr lang="en-US"/>
-              <a:t>Click icon to add picture</a:t>
-            </a:r>
+            <a:endParaRPr lang="en-US"/>
           </a:p>
         </p:txBody>
       </p:sp>
@@ -2906,7 +2982,7 @@
           <p:cNvPr id="4" name="Text Placeholder 3">
             <a:extLst>
               <a:ext uri="{FF2B5EF4-FFF2-40B4-BE49-F238E27FC236}">
-                <a16:creationId xmlns:a16="http://schemas.microsoft.com/office/drawing/2014/main" id="{A0EC22A6-F2C2-4A88-BEE5-2D6CEB520EB9}"/>
+                <a16:creationId xmlns:a16="http://schemas.microsoft.com/office/drawing/2014/main" id="{50AAAE85-8274-09BF-C5C8-D85CD86E55CC}"/>
               </a:ext>
             </a:extLst>
           </p:cNvPr>
@@ -2919,8 +2995,8 @@
         </p:nvSpPr>
         <p:spPr>
           <a:xfrm>
-            <a:off x="652372" y="2697480"/>
-            <a:ext cx="4119654" cy="3171508"/>
+            <a:off x="839788" y="2057400"/>
+            <a:ext cx="3932237" cy="3811588"/>
           </a:xfrm>
         </p:spPr>
         <p:txBody>
@@ -2977,7 +3053,7 @@
           <p:cNvPr id="5" name="Date Placeholder 4">
             <a:extLst>
               <a:ext uri="{FF2B5EF4-FFF2-40B4-BE49-F238E27FC236}">
-                <a16:creationId xmlns:a16="http://schemas.microsoft.com/office/drawing/2014/main" id="{10A1F755-C7AF-4C50-8CA8-828612A767B0}"/>
+                <a16:creationId xmlns:a16="http://schemas.microsoft.com/office/drawing/2014/main" id="{379EA8F0-5440-9329-21CE-BA205D1AE43D}"/>
               </a:ext>
             </a:extLst>
           </p:cNvPr>
@@ -2995,7 +3071,7 @@
           <a:p>
             <a:fld id="{D341B595-366B-43E2-A22E-EA6A78C03F06}" type="datetimeFigureOut">
               <a:rPr lang="en-US" smtClean="0"/>
-              <a:t>5/6/2025</a:t>
+              <a:t>5/13/2025</a:t>
             </a:fld>
             <a:endParaRPr lang="en-US"/>
           </a:p>
@@ -3006,7 +3082,7 @@
           <p:cNvPr id="6" name="Footer Placeholder 5">
             <a:extLst>
               <a:ext uri="{FF2B5EF4-FFF2-40B4-BE49-F238E27FC236}">
-                <a16:creationId xmlns:a16="http://schemas.microsoft.com/office/drawing/2014/main" id="{C1EDE175-E818-477C-A3F6-7DD65C12688E}"/>
+                <a16:creationId xmlns:a16="http://schemas.microsoft.com/office/drawing/2014/main" id="{99357CB7-A126-3844-157F-0A64F9E88832}"/>
               </a:ext>
             </a:extLst>
           </p:cNvPr>
@@ -3031,7 +3107,7 @@
           <p:cNvPr id="7" name="Slide Number Placeholder 6">
             <a:extLst>
               <a:ext uri="{FF2B5EF4-FFF2-40B4-BE49-F238E27FC236}">
-                <a16:creationId xmlns:a16="http://schemas.microsoft.com/office/drawing/2014/main" id="{91D0B8E3-DB91-440B-818F-71E4248BB102}"/>
+                <a16:creationId xmlns:a16="http://schemas.microsoft.com/office/drawing/2014/main" id="{8844C8F9-AB7A-B362-373C-F963464C5528}"/>
               </a:ext>
             </a:extLst>
           </p:cNvPr>
@@ -3058,7 +3134,7 @@
     </p:spTree>
     <p:extLst>
       <p:ext uri="{BB962C8B-B14F-4D97-AF65-F5344CB8AC3E}">
-        <p14:creationId xmlns:p14="http://schemas.microsoft.com/office/powerpoint/2010/main" val="3556538458"/>
+        <p14:creationId xmlns:p14="http://schemas.microsoft.com/office/powerpoint/2010/main" val="2224538789"/>
       </p:ext>
     </p:extLst>
   </p:cSld>
@@ -3095,7 +3171,7 @@
           <p:cNvPr id="2" name="Title Placeholder 1">
             <a:extLst>
               <a:ext uri="{FF2B5EF4-FFF2-40B4-BE49-F238E27FC236}">
-                <a16:creationId xmlns:a16="http://schemas.microsoft.com/office/drawing/2014/main" id="{555EB7D6-B8CB-49E3-874F-2255BEE82473}"/>
+                <a16:creationId xmlns:a16="http://schemas.microsoft.com/office/drawing/2014/main" id="{A7CD9CDE-7080-5440-860E-09D877F918AC}"/>
               </a:ext>
             </a:extLst>
           </p:cNvPr>
@@ -3108,21 +3184,21 @@
         </p:nvSpPr>
         <p:spPr>
           <a:xfrm>
-            <a:off x="652371" y="647700"/>
-            <a:ext cx="10625229" cy="1147053"/>
+            <a:off x="838200" y="365125"/>
+            <a:ext cx="10515600" cy="1325563"/>
           </a:xfrm>
           <a:prstGeom prst="rect">
             <a:avLst/>
           </a:prstGeom>
         </p:spPr>
         <p:txBody>
-          <a:bodyPr vert="horz" lIns="91440" tIns="45720" rIns="91440" bIns="45720" rtlCol="0" anchor="b">
+          <a:bodyPr vert="horz" lIns="91440" tIns="45720" rIns="91440" bIns="45720" rtlCol="0" anchor="ctr">
             <a:normAutofit/>
           </a:bodyPr>
           <a:lstStyle/>
           <a:p>
             <a:r>
-              <a:rPr lang="en-US" dirty="0"/>
+              <a:rPr lang="en-US"/>
               <a:t>Click to edit Master title style</a:t>
             </a:r>
           </a:p>
@@ -3133,7 +3209,7 @@
           <p:cNvPr id="3" name="Text Placeholder 2">
             <a:extLst>
               <a:ext uri="{FF2B5EF4-FFF2-40B4-BE49-F238E27FC236}">
-                <a16:creationId xmlns:a16="http://schemas.microsoft.com/office/drawing/2014/main" id="{CFBEEAC5-A8AB-4FE8-A270-D70F7DED4A50}"/>
+                <a16:creationId xmlns:a16="http://schemas.microsoft.com/office/drawing/2014/main" id="{3256B5D8-95B5-0071-6C96-0E79EA747291}"/>
               </a:ext>
             </a:extLst>
           </p:cNvPr>
@@ -3146,8 +3222,8 @@
         </p:nvSpPr>
         <p:spPr>
           <a:xfrm>
-            <a:off x="652371" y="2095500"/>
-            <a:ext cx="10620855" cy="3848100"/>
+            <a:off x="838200" y="1825625"/>
+            <a:ext cx="10515600" cy="4351338"/>
           </a:xfrm>
           <a:prstGeom prst="rect">
             <a:avLst/>
@@ -3192,7 +3268,6 @@
               <a:rPr lang="en-US"/>
               <a:t>Fifth level</a:t>
             </a:r>
-            <a:endParaRPr lang="en-US" dirty="0"/>
           </a:p>
         </p:txBody>
       </p:sp>
@@ -3201,7 +3276,7 @@
           <p:cNvPr id="4" name="Date Placeholder 3">
             <a:extLst>
               <a:ext uri="{FF2B5EF4-FFF2-40B4-BE49-F238E27FC236}">
-                <a16:creationId xmlns:a16="http://schemas.microsoft.com/office/drawing/2014/main" id="{A7B6506C-52BF-4C05-AD31-7C08B80151CB}"/>
+                <a16:creationId xmlns:a16="http://schemas.microsoft.com/office/drawing/2014/main" id="{8720C254-BC59-BF63-E11B-AD7A6744884E}"/>
               </a:ext>
             </a:extLst>
           </p:cNvPr>
@@ -3214,8 +3289,8 @@
         </p:nvSpPr>
         <p:spPr>
           <a:xfrm>
-            <a:off x="652371" y="6332538"/>
-            <a:ext cx="3006492" cy="365125"/>
+            <a:off x="838200" y="6356350"/>
+            <a:ext cx="2743200" cy="365125"/>
           </a:xfrm>
           <a:prstGeom prst="rect">
             <a:avLst/>
@@ -3225,9 +3300,11 @@
           <a:bodyPr vert="horz" lIns="91440" tIns="45720" rIns="91440" bIns="45720" rtlCol="0" anchor="ctr"/>
           <a:lstStyle>
             <a:lvl1pPr algn="l">
-              <a:defRPr sz="900" b="1" spc="100" baseline="0">
+              <a:defRPr sz="1200">
                 <a:solidFill>
-                  <a:schemeClr val="tx1"/>
+                  <a:schemeClr val="tx1">
+                    <a:tint val="82000"/>
+                  </a:schemeClr>
                 </a:solidFill>
               </a:defRPr>
             </a:lvl1pPr>
@@ -3235,7 +3312,7 @@
           <a:p>
             <a:fld id="{D341B595-366B-43E2-A22E-EA6A78C03F06}" type="datetimeFigureOut">
               <a:rPr lang="en-US" smtClean="0"/>
-              <a:t>5/6/2025</a:t>
+              <a:t>5/13/2025</a:t>
             </a:fld>
             <a:endParaRPr lang="en-US"/>
           </a:p>
@@ -3246,7 +3323,7 @@
           <p:cNvPr id="5" name="Footer Placeholder 4">
             <a:extLst>
               <a:ext uri="{FF2B5EF4-FFF2-40B4-BE49-F238E27FC236}">
-                <a16:creationId xmlns:a16="http://schemas.microsoft.com/office/drawing/2014/main" id="{F2534630-6C67-4A40-A499-CB025B2438CE}"/>
+                <a16:creationId xmlns:a16="http://schemas.microsoft.com/office/drawing/2014/main" id="{B9A835B8-287B-AD3F-0074-C4E762751277}"/>
               </a:ext>
             </a:extLst>
           </p:cNvPr>
@@ -3259,8 +3336,8 @@
         </p:nvSpPr>
         <p:spPr>
           <a:xfrm>
-            <a:off x="8034169" y="6332538"/>
-            <a:ext cx="3505459" cy="365125"/>
+            <a:off x="4038600" y="6356350"/>
+            <a:ext cx="4114800" cy="365125"/>
           </a:xfrm>
           <a:prstGeom prst="rect">
             <a:avLst/>
@@ -3269,10 +3346,12 @@
         <p:txBody>
           <a:bodyPr vert="horz" lIns="91440" tIns="45720" rIns="91440" bIns="45720" rtlCol="0" anchor="ctr"/>
           <a:lstStyle>
-            <a:lvl1pPr algn="r">
-              <a:defRPr sz="900" b="1" spc="100" baseline="0">
+            <a:lvl1pPr algn="ctr">
+              <a:defRPr sz="1200">
                 <a:solidFill>
-                  <a:schemeClr val="tx1"/>
+                  <a:schemeClr val="tx1">
+                    <a:tint val="82000"/>
+                  </a:schemeClr>
                 </a:solidFill>
               </a:defRPr>
             </a:lvl1pPr>
@@ -3287,7 +3366,7 @@
           <p:cNvPr id="6" name="Slide Number Placeholder 5">
             <a:extLst>
               <a:ext uri="{FF2B5EF4-FFF2-40B4-BE49-F238E27FC236}">
-                <a16:creationId xmlns:a16="http://schemas.microsoft.com/office/drawing/2014/main" id="{E964E14B-0EE8-4015-809C-DD36B5459B82}"/>
+                <a16:creationId xmlns:a16="http://schemas.microsoft.com/office/drawing/2014/main" id="{77C10645-E83A-B69E-D2CF-EC981DDD056B}"/>
               </a:ext>
             </a:extLst>
           </p:cNvPr>
@@ -3300,8 +3379,8 @@
         </p:nvSpPr>
         <p:spPr>
           <a:xfrm>
-            <a:off x="11444747" y="6332538"/>
-            <a:ext cx="539808" cy="365125"/>
+            <a:off x="8610600" y="6356350"/>
+            <a:ext cx="2743200" cy="365125"/>
           </a:xfrm>
           <a:prstGeom prst="rect">
             <a:avLst/>
@@ -3311,9 +3390,11 @@
           <a:bodyPr vert="horz" lIns="91440" tIns="45720" rIns="91440" bIns="45720" rtlCol="0" anchor="ctr"/>
           <a:lstStyle>
             <a:lvl1pPr algn="r">
-              <a:defRPr sz="900" b="1" spc="100" baseline="0">
+              <a:defRPr sz="1200">
                 <a:solidFill>
-                  <a:schemeClr val="tx1"/>
+                  <a:schemeClr val="tx1">
+                    <a:tint val="82000"/>
+                  </a:schemeClr>
                 </a:solidFill>
               </a:defRPr>
             </a:lvl1pPr>
@@ -3330,41 +3411,38 @@
     </p:spTree>
     <p:extLst>
       <p:ext uri="{BB962C8B-B14F-4D97-AF65-F5344CB8AC3E}">
-        <p14:creationId xmlns:p14="http://schemas.microsoft.com/office/powerpoint/2010/main" val="1497164109"/>
+        <p14:creationId xmlns:p14="http://schemas.microsoft.com/office/powerpoint/2010/main" val="2513877877"/>
       </p:ext>
     </p:extLst>
   </p:cSld>
   <p:clrMap bg1="lt1" tx1="dk1" bg2="lt2" tx2="dk2" accent1="accent1" accent2="accent2" accent3="accent3" accent4="accent4" accent5="accent5" accent6="accent6" hlink="hlink" folHlink="folHlink"/>
   <p:sldLayoutIdLst>
-    <p:sldLayoutId id="2147483746" r:id="rId1"/>
-    <p:sldLayoutId id="2147483747" r:id="rId2"/>
-    <p:sldLayoutId id="2147483748" r:id="rId3"/>
-    <p:sldLayoutId id="2147483749" r:id="rId4"/>
-    <p:sldLayoutId id="2147483750" r:id="rId5"/>
-    <p:sldLayoutId id="2147483744" r:id="rId6"/>
-    <p:sldLayoutId id="2147483740" r:id="rId7"/>
-    <p:sldLayoutId id="2147483741" r:id="rId8"/>
-    <p:sldLayoutId id="2147483742" r:id="rId9"/>
-    <p:sldLayoutId id="2147483743" r:id="rId10"/>
-    <p:sldLayoutId id="2147483745" r:id="rId11"/>
+    <p:sldLayoutId id="2147483765" r:id="rId1"/>
+    <p:sldLayoutId id="2147483766" r:id="rId2"/>
+    <p:sldLayoutId id="2147483767" r:id="rId3"/>
+    <p:sldLayoutId id="2147483768" r:id="rId4"/>
+    <p:sldLayoutId id="2147483769" r:id="rId5"/>
+    <p:sldLayoutId id="2147483770" r:id="rId6"/>
+    <p:sldLayoutId id="2147483771" r:id="rId7"/>
+    <p:sldLayoutId id="2147483772" r:id="rId8"/>
+    <p:sldLayoutId id="2147483773" r:id="rId9"/>
+    <p:sldLayoutId id="2147483774" r:id="rId10"/>
+    <p:sldLayoutId id="2147483775" r:id="rId11"/>
   </p:sldLayoutIdLst>
   <p:txStyles>
     <p:titleStyle>
       <a:lvl1pPr algn="l" defTabSz="914400" rtl="0" eaLnBrk="1" latinLnBrk="0" hangingPunct="1">
         <a:lnSpc>
-          <a:spcPct val="120000"/>
+          <a:spcPct val="90000"/>
         </a:lnSpc>
         <a:spcBef>
           <a:spcPct val="0"/>
         </a:spcBef>
         <a:buNone/>
-        <a:defRPr sz="3600" kern="1200" cap="all" spc="300" baseline="0">
+        <a:defRPr sz="4400" kern="1200">
           <a:solidFill>
-            <a:srgbClr val="FFFFFF"/>
+            <a:schemeClr val="tx1"/>
           </a:solidFill>
-          <a:highlight>
-            <a:srgbClr val="000000"/>
-          </a:highlight>
           <a:latin typeface="+mj-lt"/>
           <a:ea typeface="+mj-ea"/>
           <a:cs typeface="+mj-cs"/>
@@ -3374,15 +3452,47 @@
     <p:bodyStyle>
       <a:lvl1pPr marL="228600" indent="-228600" algn="l" defTabSz="914400" rtl="0" eaLnBrk="1" latinLnBrk="0" hangingPunct="1">
         <a:lnSpc>
-          <a:spcPct val="120000"/>
+          <a:spcPct val="90000"/>
         </a:lnSpc>
         <a:spcBef>
           <a:spcPts val="1000"/>
         </a:spcBef>
-        <a:buClr>
-          <a:schemeClr val="tx1"/>
-        </a:buClr>
-        <a:buSzPct val="75000"/>
+        <a:buFont typeface="Arial" panose="020B0604020202020204" pitchFamily="34" charset="0"/>
+        <a:buChar char="•"/>
+        <a:defRPr sz="2800" kern="1200">
+          <a:solidFill>
+            <a:schemeClr val="tx1"/>
+          </a:solidFill>
+          <a:latin typeface="+mn-lt"/>
+          <a:ea typeface="+mn-ea"/>
+          <a:cs typeface="+mn-cs"/>
+        </a:defRPr>
+      </a:lvl1pPr>
+      <a:lvl2pPr marL="685800" indent="-228600" algn="l" defTabSz="914400" rtl="0" eaLnBrk="1" latinLnBrk="0" hangingPunct="1">
+        <a:lnSpc>
+          <a:spcPct val="90000"/>
+        </a:lnSpc>
+        <a:spcBef>
+          <a:spcPts val="500"/>
+        </a:spcBef>
+        <a:buFont typeface="Arial" panose="020B0604020202020204" pitchFamily="34" charset="0"/>
+        <a:buChar char="•"/>
+        <a:defRPr sz="2400" kern="1200">
+          <a:solidFill>
+            <a:schemeClr val="tx1"/>
+          </a:solidFill>
+          <a:latin typeface="+mn-lt"/>
+          <a:ea typeface="+mn-ea"/>
+          <a:cs typeface="+mn-cs"/>
+        </a:defRPr>
+      </a:lvl2pPr>
+      <a:lvl3pPr marL="1143000" indent="-228600" algn="l" defTabSz="914400" rtl="0" eaLnBrk="1" latinLnBrk="0" hangingPunct="1">
+        <a:lnSpc>
+          <a:spcPct val="90000"/>
+        </a:lnSpc>
+        <a:spcBef>
+          <a:spcPts val="500"/>
+        </a:spcBef>
         <a:buFont typeface="Arial" panose="020B0604020202020204" pitchFamily="34" charset="0"/>
         <a:buChar char="•"/>
         <a:defRPr sz="2000" kern="1200">
@@ -3393,18 +3503,14 @@
           <a:ea typeface="+mn-ea"/>
           <a:cs typeface="+mn-cs"/>
         </a:defRPr>
-      </a:lvl1pPr>
-      <a:lvl2pPr marL="685800" indent="-228600" algn="l" defTabSz="914400" rtl="0" eaLnBrk="1" latinLnBrk="0" hangingPunct="1">
+      </a:lvl3pPr>
+      <a:lvl4pPr marL="1600200" indent="-228600" algn="l" defTabSz="914400" rtl="0" eaLnBrk="1" latinLnBrk="0" hangingPunct="1">
         <a:lnSpc>
-          <a:spcPct val="120000"/>
+          <a:spcPct val="90000"/>
         </a:lnSpc>
         <a:spcBef>
           <a:spcPts val="500"/>
         </a:spcBef>
-        <a:buClr>
-          <a:schemeClr val="tx1"/>
-        </a:buClr>
-        <a:buSzPct val="75000"/>
         <a:buFont typeface="Arial" panose="020B0604020202020204" pitchFamily="34" charset="0"/>
         <a:buChar char="•"/>
         <a:defRPr sz="1800" kern="1200">
@@ -3415,65 +3521,17 @@
           <a:ea typeface="+mn-ea"/>
           <a:cs typeface="+mn-cs"/>
         </a:defRPr>
-      </a:lvl2pPr>
-      <a:lvl3pPr marL="1143000" indent="-228600" algn="l" defTabSz="914400" rtl="0" eaLnBrk="1" latinLnBrk="0" hangingPunct="1">
+      </a:lvl4pPr>
+      <a:lvl5pPr marL="2057400" indent="-228600" algn="l" defTabSz="914400" rtl="0" eaLnBrk="1" latinLnBrk="0" hangingPunct="1">
         <a:lnSpc>
-          <a:spcPct val="120000"/>
+          <a:spcPct val="90000"/>
         </a:lnSpc>
         <a:spcBef>
           <a:spcPts val="500"/>
         </a:spcBef>
-        <a:buClr>
-          <a:schemeClr val="tx1"/>
-        </a:buClr>
-        <a:buSzPct val="75000"/>
         <a:buFont typeface="Arial" panose="020B0604020202020204" pitchFamily="34" charset="0"/>
         <a:buChar char="•"/>
-        <a:defRPr sz="1600" kern="1200">
-          <a:solidFill>
-            <a:schemeClr val="tx1"/>
-          </a:solidFill>
-          <a:latin typeface="+mn-lt"/>
-          <a:ea typeface="+mn-ea"/>
-          <a:cs typeface="+mn-cs"/>
-        </a:defRPr>
-      </a:lvl3pPr>
-      <a:lvl4pPr marL="1600200" indent="-228600" algn="l" defTabSz="914400" rtl="0" eaLnBrk="1" latinLnBrk="0" hangingPunct="1">
-        <a:lnSpc>
-          <a:spcPct val="120000"/>
-        </a:lnSpc>
-        <a:spcBef>
-          <a:spcPts val="500"/>
-        </a:spcBef>
-        <a:buClr>
-          <a:schemeClr val="tx1"/>
-        </a:buClr>
-        <a:buSzPct val="75000"/>
-        <a:buFont typeface="Arial" panose="020B0604020202020204" pitchFamily="34" charset="0"/>
-        <a:buChar char="•"/>
-        <a:defRPr sz="1400" kern="1200">
-          <a:solidFill>
-            <a:schemeClr val="tx1"/>
-          </a:solidFill>
-          <a:latin typeface="+mn-lt"/>
-          <a:ea typeface="+mn-ea"/>
-          <a:cs typeface="+mn-cs"/>
-        </a:defRPr>
-      </a:lvl4pPr>
-      <a:lvl5pPr marL="2057400" indent="-228600" algn="l" defTabSz="914400" rtl="0" eaLnBrk="1" latinLnBrk="0" hangingPunct="1">
-        <a:lnSpc>
-          <a:spcPct val="120000"/>
-        </a:lnSpc>
-        <a:spcBef>
-          <a:spcPts val="500"/>
-        </a:spcBef>
-        <a:buClr>
-          <a:schemeClr val="tx1"/>
-        </a:buClr>
-        <a:buSzPct val="75000"/>
-        <a:buFont typeface="Arial" panose="020B0604020202020204" pitchFamily="34" charset="0"/>
-        <a:buChar char="•"/>
-        <a:defRPr sz="1400" kern="1200">
+        <a:defRPr sz="1800" kern="1200">
           <a:solidFill>
             <a:schemeClr val="tx1"/>
           </a:solidFill>
@@ -3679,82 +3737,6 @@
           <a:chExt cx="0" cy="0"/>
         </a:xfrm>
       </p:grpSpPr>
-      <p:sp useBgFill="1">
-        <p:nvSpPr>
-          <p:cNvPr id="9" name="Rectangle 8">
-            <a:extLst>
-              <a:ext uri="{FF2B5EF4-FFF2-40B4-BE49-F238E27FC236}">
-                <a16:creationId xmlns:a16="http://schemas.microsoft.com/office/drawing/2014/main" id="{CF886182-3ADC-447F-B077-24411DB565A8}"/>
-              </a:ext>
-              <a:ext uri="{C183D7F6-B498-43B3-948B-1728B52AA6E4}">
-                <adec:decorative xmlns:adec="http://schemas.microsoft.com/office/drawing/2017/decorative" val="1"/>
-              </a:ext>
-            </a:extLst>
-          </p:cNvPr>
-          <p:cNvSpPr>
-            <a:spLocks noGrp="1" noRot="1" noChangeAspect="1" noMove="1" noResize="1" noEditPoints="1" noAdjustHandles="1" noChangeArrowheads="1" noChangeShapeType="1" noTextEdit="1"/>
-          </p:cNvSpPr>
-          <p:nvPr>
-            <p:extLst>
-              <p:ext uri="{386F3935-93C4-4BCD-93E2-E3B085C9AB24}">
-                <p16:designElem xmlns:p16="http://schemas.microsoft.com/office/powerpoint/2015/main" val="1"/>
-              </p:ext>
-            </p:extLst>
-          </p:nvPr>
-        </p:nvSpPr>
-        <p:spPr>
-          <a:xfrm>
-            <a:off x="0" y="0"/>
-            <a:ext cx="12192000" cy="6858000"/>
-          </a:xfrm>
-          <a:prstGeom prst="rect">
-            <a:avLst/>
-          </a:prstGeom>
-          <a:ln w="12700" cap="flat" cmpd="sng" algn="ctr">
-            <a:noFill/>
-            <a:prstDash val="solid"/>
-            <a:miter lim="800000"/>
-          </a:ln>
-          <a:effectLst/>
-          <a:extLst>
-            <a:ext uri="{91240B29-F687-4F45-9708-019B960494DF}">
-              <a14:hiddenLine xmlns:a14="http://schemas.microsoft.com/office/drawing/2010/main" w="12700" cap="flat" cmpd="sng" algn="ctr">
-                <a:solidFill>
-                  <a:schemeClr val="accent1">
-                    <a:shade val="50000"/>
-                  </a:schemeClr>
-                </a:solidFill>
-                <a:prstDash val="solid"/>
-                <a:miter lim="800000"/>
-              </a14:hiddenLine>
-            </a:ext>
-          </a:extLst>
-        </p:spPr>
-        <p:style>
-          <a:lnRef idx="2">
-            <a:schemeClr val="accent1">
-              <a:shade val="50000"/>
-            </a:schemeClr>
-          </a:lnRef>
-          <a:fillRef idx="1">
-            <a:schemeClr val="accent1"/>
-          </a:fillRef>
-          <a:effectRef idx="0">
-            <a:schemeClr val="accent1"/>
-          </a:effectRef>
-          <a:fontRef idx="minor">
-            <a:schemeClr val="lt1"/>
-          </a:fontRef>
-        </p:style>
-        <p:txBody>
-          <a:bodyPr rtlCol="0" anchor="ctr"/>
-          <a:lstStyle/>
-          <a:p>
-            <a:pPr algn="ctr"/>
-            <a:endParaRPr lang="en-US"/>
-          </a:p>
-        </p:txBody>
-      </p:sp>
       <p:pic>
         <p:nvPicPr>
           <p:cNvPr id="4" name="Picture 3" descr="A blue abstract watercolor pattern on a white background">
@@ -3784,81 +3766,6 @@
           </a:prstGeom>
         </p:spPr>
       </p:pic>
-      <p:sp>
-        <p:nvSpPr>
-          <p:cNvPr id="11" name="Rectangle 10">
-            <a:extLst>
-              <a:ext uri="{FF2B5EF4-FFF2-40B4-BE49-F238E27FC236}">
-                <a16:creationId xmlns:a16="http://schemas.microsoft.com/office/drawing/2014/main" id="{67F1335F-97CE-4842-9A57-2B6A3F459D82}"/>
-              </a:ext>
-              <a:ext uri="{C183D7F6-B498-43B3-948B-1728B52AA6E4}">
-                <adec:decorative xmlns:adec="http://schemas.microsoft.com/office/drawing/2017/decorative" val="1"/>
-              </a:ext>
-            </a:extLst>
-          </p:cNvPr>
-          <p:cNvSpPr>
-            <a:spLocks noGrp="1" noRot="1" noChangeAspect="1" noMove="1" noResize="1" noEditPoints="1" noAdjustHandles="1" noChangeArrowheads="1" noChangeShapeType="1" noTextEdit="1"/>
-          </p:cNvSpPr>
-          <p:nvPr>
-            <p:extLst>
-              <p:ext uri="{386F3935-93C4-4BCD-93E2-E3B085C9AB24}">
-                <p16:designElem xmlns:p16="http://schemas.microsoft.com/office/powerpoint/2015/main" val="1"/>
-              </p:ext>
-            </p:extLst>
-          </p:nvPr>
-        </p:nvSpPr>
-        <p:spPr>
-          <a:xfrm flipH="1">
-            <a:off x="-3" y="3644537"/>
-            <a:ext cx="12192002" cy="3213463"/>
-          </a:xfrm>
-          <a:prstGeom prst="rect">
-            <a:avLst/>
-          </a:prstGeom>
-          <a:gradFill>
-            <a:gsLst>
-              <a:gs pos="0">
-                <a:srgbClr val="000000">
-                  <a:alpha val="0"/>
-                </a:srgbClr>
-              </a:gs>
-              <a:gs pos="100000">
-                <a:srgbClr val="000000">
-                  <a:alpha val="62000"/>
-                </a:srgbClr>
-              </a:gs>
-            </a:gsLst>
-            <a:lin ang="5400000" scaled="1"/>
-          </a:gradFill>
-          <a:ln>
-            <a:noFill/>
-          </a:ln>
-        </p:spPr>
-        <p:style>
-          <a:lnRef idx="2">
-            <a:schemeClr val="accent1">
-              <a:shade val="50000"/>
-            </a:schemeClr>
-          </a:lnRef>
-          <a:fillRef idx="1">
-            <a:schemeClr val="accent1"/>
-          </a:fillRef>
-          <a:effectRef idx="0">
-            <a:schemeClr val="accent1"/>
-          </a:effectRef>
-          <a:fontRef idx="minor">
-            <a:schemeClr val="lt1"/>
-          </a:fontRef>
-        </p:style>
-        <p:txBody>
-          <a:bodyPr rtlCol="0" anchor="ctr"/>
-          <a:lstStyle/>
-          <a:p>
-            <a:pPr algn="ctr"/>
-            <a:endParaRPr lang="en-US"/>
-          </a:p>
-        </p:txBody>
-      </p:sp>
       <p:sp>
         <p:nvSpPr>
           <p:cNvPr id="2" name="Title 1">
@@ -4297,37 +4204,114 @@
             <p:ph type="title"/>
           </p:nvPr>
         </p:nvSpPr>
-        <p:spPr/>
-        <p:txBody>
-          <a:bodyPr/>
-          <a:lstStyle/>
-          <a:p>
-            <a:endParaRPr lang="en-US"/>
-          </a:p>
-        </p:txBody>
-      </p:sp>
-      <p:sp>
-        <p:nvSpPr>
-          <p:cNvPr id="3" name="Content Placeholder 2">
-            <a:extLst>
-              <a:ext uri="{FF2B5EF4-FFF2-40B4-BE49-F238E27FC236}">
-                <a16:creationId xmlns:a16="http://schemas.microsoft.com/office/drawing/2014/main" id="{D60A9753-227E-B307-ACDD-55494A56D902}"/>
-              </a:ext>
-            </a:extLst>
-          </p:cNvPr>
-          <p:cNvSpPr>
-            <a:spLocks noGrp="1"/>
-          </p:cNvSpPr>
+        <p:spPr>
+          <a:xfrm>
+            <a:off x="650035" y="190500"/>
+            <a:ext cx="10625229" cy="1147053"/>
+          </a:xfrm>
+        </p:spPr>
+        <p:txBody>
+          <a:bodyPr/>
+          <a:lstStyle/>
+          <a:p>
+            <a:pPr algn="ctr"/>
+            <a:r>
+              <a:rPr lang="en-US" dirty="0"/>
+              <a:t>Metal Gear Solid V: The phantom Pain</a:t>
+            </a:r>
+          </a:p>
+        </p:txBody>
+      </p:sp>
+      <p:pic>
+        <p:nvPicPr>
+          <p:cNvPr id="5" name="Content Placeholder 4" descr="Bandage">
+            <a:extLst>
+              <a:ext uri="{FF2B5EF4-FFF2-40B4-BE49-F238E27FC236}">
+                <a16:creationId xmlns:a16="http://schemas.microsoft.com/office/drawing/2014/main" id="{057ED501-14AB-4578-311D-EC571262F64A}"/>
+              </a:ext>
+            </a:extLst>
+          </p:cNvPr>
+          <p:cNvPicPr>
+            <a:picLocks noGrp="1" noChangeAspect="1"/>
+          </p:cNvPicPr>
           <p:nvPr>
             <p:ph idx="1"/>
           </p:nvPr>
-        </p:nvSpPr>
-        <p:spPr/>
-        <p:txBody>
-          <a:bodyPr/>
-          <a:lstStyle/>
-          <a:p>
-            <a:endParaRPr lang="en-US"/>
+        </p:nvPicPr>
+        <p:blipFill>
+          <a:blip r:embed="rId2">
+            <a:extLst>
+              <a:ext uri="{28A0092B-C50C-407E-A947-70E740481C1C}">
+                <a14:useLocalDpi xmlns:a14="http://schemas.microsoft.com/office/drawing/2010/main" val="0"/>
+              </a:ext>
+            </a:extLst>
+          </a:blip>
+          <a:stretch>
+            <a:fillRect/>
+          </a:stretch>
+        </p:blipFill>
+        <p:spPr>
+          <a:xfrm>
+            <a:off x="3076574" y="1760706"/>
+            <a:ext cx="5772150" cy="3848100"/>
+          </a:xfrm>
+        </p:spPr>
+      </p:pic>
+      <p:sp>
+        <p:nvSpPr>
+          <p:cNvPr id="6" name="Title 1">
+            <a:extLst>
+              <a:ext uri="{FF2B5EF4-FFF2-40B4-BE49-F238E27FC236}">
+                <a16:creationId xmlns:a16="http://schemas.microsoft.com/office/drawing/2014/main" id="{24923EBC-C3F1-5ECD-5BE4-0A5A0AE4AD0B}"/>
+              </a:ext>
+            </a:extLst>
+          </p:cNvPr>
+          <p:cNvSpPr txBox="1">
+            <a:spLocks/>
+          </p:cNvSpPr>
+          <p:nvPr/>
+        </p:nvSpPr>
+        <p:spPr>
+          <a:xfrm>
+            <a:off x="783385" y="5097294"/>
+            <a:ext cx="10625229" cy="1147053"/>
+          </a:xfrm>
+          <a:prstGeom prst="rect">
+            <a:avLst/>
+          </a:prstGeom>
+        </p:spPr>
+        <p:txBody>
+          <a:bodyPr vert="horz" lIns="91440" tIns="45720" rIns="91440" bIns="45720" rtlCol="0" anchor="b">
+            <a:normAutofit fontScale="92500"/>
+          </a:bodyPr>
+          <a:lstStyle>
+            <a:lvl1pPr algn="l" defTabSz="914400" rtl="0" eaLnBrk="1" latinLnBrk="0" hangingPunct="1">
+              <a:lnSpc>
+                <a:spcPct val="120000"/>
+              </a:lnSpc>
+              <a:spcBef>
+                <a:spcPct val="0"/>
+              </a:spcBef>
+              <a:buNone/>
+              <a:defRPr sz="3600" kern="1200" cap="all" spc="300" baseline="0">
+                <a:solidFill>
+                  <a:srgbClr val="FFFFFF"/>
+                </a:solidFill>
+                <a:highlight>
+                  <a:srgbClr val="000000"/>
+                </a:highlight>
+                <a:latin typeface="+mj-lt"/>
+                <a:ea typeface="+mj-ea"/>
+                <a:cs typeface="+mj-cs"/>
+              </a:defRPr>
+            </a:lvl1pPr>
+          </a:lstStyle>
+          <a:p>
+            <a:pPr algn="ctr"/>
+            <a:r>
+              <a:rPr lang="en-US" dirty="0"/>
+              <a:t>Stop your pain with this MGS video guide</a:t>
+            </a:r>
           </a:p>
         </p:txBody>
       </p:sp>
@@ -4347,6 +4331,30 @@
 <file path=ppt/slides/slide3.xml><?xml version="1.0" encoding="utf-8"?>
 <p:sld xmlns:a="http://schemas.openxmlformats.org/drawingml/2006/main" xmlns:r="http://schemas.openxmlformats.org/officeDocument/2006/relationships" xmlns:p="http://schemas.openxmlformats.org/presentationml/2006/main">
   <p:cSld>
+    <p:bg>
+      <p:bgPr>
+        <a:gradFill rotWithShape="1">
+          <a:gsLst>
+            <a:gs pos="0">
+              <a:schemeClr val="bg2">
+                <a:tint val="94000"/>
+                <a:satMod val="80000"/>
+                <a:lumMod val="106000"/>
+              </a:schemeClr>
+            </a:gs>
+            <a:gs pos="100000">
+              <a:schemeClr val="bg2">
+                <a:shade val="80000"/>
+              </a:schemeClr>
+            </a:gs>
+          </a:gsLst>
+          <a:path path="circle">
+            <a:fillToRect l="43000" r="43000" b="100000"/>
+          </a:path>
+        </a:gradFill>
+        <a:effectLst/>
+      </p:bgPr>
+    </p:bg>
     <p:spTree>
       <p:nvGrpSpPr>
         <p:cNvPr id="1" name=""/>
@@ -4377,40 +4385,81 @@
             <p:ph type="title"/>
           </p:nvPr>
         </p:nvSpPr>
-        <p:spPr/>
-        <p:txBody>
-          <a:bodyPr/>
-          <a:lstStyle/>
-          <a:p>
-            <a:endParaRPr lang="en-US"/>
-          </a:p>
-        </p:txBody>
-      </p:sp>
-      <p:sp>
-        <p:nvSpPr>
-          <p:cNvPr id="3" name="Content Placeholder 2">
-            <a:extLst>
-              <a:ext uri="{FF2B5EF4-FFF2-40B4-BE49-F238E27FC236}">
-                <a16:creationId xmlns:a16="http://schemas.microsoft.com/office/drawing/2014/main" id="{54E9828C-882E-D43E-3AFE-4DAAE322352E}"/>
-              </a:ext>
-            </a:extLst>
-          </p:cNvPr>
-          <p:cNvSpPr>
-            <a:spLocks noGrp="1"/>
-          </p:cNvSpPr>
+        <p:spPr>
+          <a:xfrm>
+            <a:off x="6094412" y="5239131"/>
+            <a:ext cx="5279490" cy="960087"/>
+          </a:xfrm>
+        </p:spPr>
+        <p:txBody>
+          <a:bodyPr vert="horz" lIns="91440" tIns="45720" rIns="91440" bIns="45720" rtlCol="0" anchor="t">
+            <a:normAutofit/>
+          </a:bodyPr>
+          <a:lstStyle/>
+          <a:p>
+            <a:r>
+              <a:rPr lang="en-US" sz="3000" dirty="0">
+                <a:solidFill>
+                  <a:srgbClr val="FFFFFE"/>
+                </a:solidFill>
+              </a:rPr>
+              <a:t>Learn some fancy footwork with </a:t>
+            </a:r>
+            <a:r>
+              <a:rPr lang="en-US" sz="3000" dirty="0" err="1">
+                <a:solidFill>
+                  <a:srgbClr val="FFFFFE"/>
+                </a:solidFill>
+              </a:rPr>
+              <a:t>mgsV</a:t>
+            </a:r>
+            <a:endParaRPr lang="en-US" sz="3000" dirty="0">
+              <a:solidFill>
+                <a:srgbClr val="FFFFFE"/>
+              </a:solidFill>
+            </a:endParaRPr>
+          </a:p>
+        </p:txBody>
+      </p:sp>
+      <p:pic>
+        <p:nvPicPr>
+          <p:cNvPr id="5" name="Content Placeholder 4" descr="Portrait of a man dancing smiling and having fun">
+            <a:extLst>
+              <a:ext uri="{FF2B5EF4-FFF2-40B4-BE49-F238E27FC236}">
+                <a16:creationId xmlns:a16="http://schemas.microsoft.com/office/drawing/2014/main" id="{A7E0CD6E-592E-85A4-D28B-509D88C3C2D4}"/>
+              </a:ext>
+            </a:extLst>
+          </p:cNvPr>
+          <p:cNvPicPr>
+            <a:picLocks noGrp="1" noChangeAspect="1"/>
+          </p:cNvPicPr>
           <p:nvPr>
             <p:ph idx="1"/>
           </p:nvPr>
-        </p:nvSpPr>
-        <p:spPr/>
-        <p:txBody>
-          <a:bodyPr/>
-          <a:lstStyle/>
-          <a:p>
-            <a:endParaRPr lang="en-US"/>
-          </a:p>
-        </p:txBody>
-      </p:sp>
+        </p:nvPicPr>
+        <p:blipFill>
+          <a:blip r:embed="rId2">
+            <a:extLst>
+              <a:ext uri="{28A0092B-C50C-407E-A947-70E740481C1C}">
+                <a14:useLocalDpi xmlns:a14="http://schemas.microsoft.com/office/drawing/2010/main" val="0"/>
+              </a:ext>
+            </a:extLst>
+          </a:blip>
+          <a:srcRect t="25631" r="-1" b="4054"/>
+          <a:stretch>
+            <a:fillRect/>
+          </a:stretch>
+        </p:blipFill>
+        <p:spPr>
+          <a:xfrm>
+            <a:off x="20" y="10"/>
+            <a:ext cx="12191675" cy="6857990"/>
+          </a:xfrm>
+          <a:prstGeom prst="rect">
+            <a:avLst/>
+          </a:prstGeom>
+        </p:spPr>
+      </p:pic>
     </p:spTree>
     <p:extLst>
       <p:ext uri="{BB962C8B-B14F-4D97-AF65-F5344CB8AC3E}">
@@ -4425,9 +4474,9 @@
 </file>
 
 <file path=ppt/theme/theme1.xml><?xml version="1.0" encoding="utf-8"?>
-<a:theme xmlns:a="http://schemas.openxmlformats.org/drawingml/2006/main" name="CitationVTI">
+<a:theme xmlns:a="http://schemas.openxmlformats.org/drawingml/2006/main" name="Office Theme">
   <a:themeElements>
-    <a:clrScheme name="Citation">
+    <a:clrScheme name="Office">
       <a:dk1>
         <a:sysClr val="windowText" lastClr="000000"/>
       </a:dk1>
@@ -4435,46 +4484,140 @@
         <a:sysClr val="window" lastClr="FFFFFF"/>
       </a:lt1>
       <a:dk2>
-        <a:srgbClr val="01375D"/>
+        <a:srgbClr val="0E2841"/>
       </a:dk2>
       <a:lt2>
-        <a:srgbClr val="F3F2EF"/>
+        <a:srgbClr val="E8E8E8"/>
       </a:lt2>
       <a:accent1>
-        <a:srgbClr val="29A3D2"/>
+        <a:srgbClr val="156082"/>
       </a:accent1>
       <a:accent2>
-        <a:srgbClr val="0669AC"/>
+        <a:srgbClr val="E97132"/>
       </a:accent2>
       <a:accent3>
-        <a:srgbClr val="FD891C"/>
+        <a:srgbClr val="196B24"/>
       </a:accent3>
       <a:accent4>
-        <a:srgbClr val="FD6927"/>
+        <a:srgbClr val="0F9ED5"/>
       </a:accent4>
       <a:accent5>
-        <a:srgbClr val="F95131"/>
+        <a:srgbClr val="A02B93"/>
       </a:accent5>
       <a:accent6>
-        <a:srgbClr val="CE5FAE"/>
+        <a:srgbClr val="4EA72E"/>
       </a:accent6>
       <a:hlink>
-        <a:srgbClr val="0F8EC1"/>
+        <a:srgbClr val="467886"/>
       </a:hlink>
       <a:folHlink>
-        <a:srgbClr val="DC6400"/>
+        <a:srgbClr val="96607D"/>
       </a:folHlink>
     </a:clrScheme>
-    <a:fontScheme name="Grandview">
+    <a:fontScheme name="Office">
       <a:majorFont>
-        <a:latin typeface="Grandview"/>
+        <a:latin typeface="Aptos Display" panose="02110004020202020204"/>
         <a:ea typeface=""/>
         <a:cs typeface=""/>
+        <a:font script="Jpan" typeface="游ゴシック Light"/>
+        <a:font script="Hang" typeface="맑은 고딕"/>
+        <a:font script="Hans" typeface="等线 Light"/>
+        <a:font script="Hant" typeface="新細明體"/>
+        <a:font script="Arab" typeface="Times New Roman"/>
+        <a:font script="Hebr" typeface="Times New Roman"/>
+        <a:font script="Thai" typeface="Angsana New"/>
+        <a:font script="Ethi" typeface="Nyala"/>
+        <a:font script="Beng" typeface="Vrinda"/>
+        <a:font script="Gujr" typeface="Shruti"/>
+        <a:font script="Khmr" typeface="MoolBoran"/>
+        <a:font script="Knda" typeface="Tunga"/>
+        <a:font script="Guru" typeface="Raavi"/>
+        <a:font script="Cans" typeface="Euphemia"/>
+        <a:font script="Cher" typeface="Plantagenet Cherokee"/>
+        <a:font script="Yiii" typeface="Microsoft Yi Baiti"/>
+        <a:font script="Tibt" typeface="Microsoft Himalaya"/>
+        <a:font script="Thaa" typeface="MV Boli"/>
+        <a:font script="Deva" typeface="Mangal"/>
+        <a:font script="Telu" typeface="Gautami"/>
+        <a:font script="Taml" typeface="Latha"/>
+        <a:font script="Syrc" typeface="Estrangelo Edessa"/>
+        <a:font script="Orya" typeface="Kalinga"/>
+        <a:font script="Mlym" typeface="Kartika"/>
+        <a:font script="Laoo" typeface="DokChampa"/>
+        <a:font script="Sinh" typeface="Iskoola Pota"/>
+        <a:font script="Mong" typeface="Mongolian Baiti"/>
+        <a:font script="Viet" typeface="Times New Roman"/>
+        <a:font script="Uigh" typeface="Microsoft Uighur"/>
+        <a:font script="Geor" typeface="Sylfaen"/>
+        <a:font script="Armn" typeface="Arial"/>
+        <a:font script="Bugi" typeface="Leelawadee UI"/>
+        <a:font script="Bopo" typeface="Microsoft JhengHei"/>
+        <a:font script="Java" typeface="Javanese Text"/>
+        <a:font script="Lisu" typeface="Segoe UI"/>
+        <a:font script="Mymr" typeface="Myanmar Text"/>
+        <a:font script="Nkoo" typeface="Ebrima"/>
+        <a:font script="Olck" typeface="Nirmala UI"/>
+        <a:font script="Osma" typeface="Ebrima"/>
+        <a:font script="Phag" typeface="Phagspa"/>
+        <a:font script="Syrn" typeface="Estrangelo Edessa"/>
+        <a:font script="Syrj" typeface="Estrangelo Edessa"/>
+        <a:font script="Syre" typeface="Estrangelo Edessa"/>
+        <a:font script="Sora" typeface="Nirmala UI"/>
+        <a:font script="Tale" typeface="Microsoft Tai Le"/>
+        <a:font script="Talu" typeface="Microsoft New Tai Lue"/>
+        <a:font script="Tfng" typeface="Ebrima"/>
       </a:majorFont>
       <a:minorFont>
-        <a:latin typeface="Grandview Display"/>
+        <a:latin typeface="Aptos" panose="02110004020202020204"/>
         <a:ea typeface=""/>
         <a:cs typeface=""/>
+        <a:font script="Jpan" typeface="游ゴシック"/>
+        <a:font script="Hang" typeface="맑은 고딕"/>
+        <a:font script="Hans" typeface="等线"/>
+        <a:font script="Hant" typeface="新細明體"/>
+        <a:font script="Arab" typeface="Arial"/>
+        <a:font script="Hebr" typeface="Arial"/>
+        <a:font script="Thai" typeface="Cordia New"/>
+        <a:font script="Ethi" typeface="Nyala"/>
+        <a:font script="Beng" typeface="Vrinda"/>
+        <a:font script="Gujr" typeface="Shruti"/>
+        <a:font script="Khmr" typeface="DaunPenh"/>
+        <a:font script="Knda" typeface="Tunga"/>
+        <a:font script="Guru" typeface="Raavi"/>
+        <a:font script="Cans" typeface="Euphemia"/>
+        <a:font script="Cher" typeface="Plantagenet Cherokee"/>
+        <a:font script="Yiii" typeface="Microsoft Yi Baiti"/>
+        <a:font script="Tibt" typeface="Microsoft Himalaya"/>
+        <a:font script="Thaa" typeface="MV Boli"/>
+        <a:font script="Deva" typeface="Mangal"/>
+        <a:font script="Telu" typeface="Gautami"/>
+        <a:font script="Taml" typeface="Latha"/>
+        <a:font script="Syrc" typeface="Estrangelo Edessa"/>
+        <a:font script="Orya" typeface="Kalinga"/>
+        <a:font script="Mlym" typeface="Kartika"/>
+        <a:font script="Laoo" typeface="DokChampa"/>
+        <a:font script="Sinh" typeface="Iskoola Pota"/>
+        <a:font script="Mong" typeface="Mongolian Baiti"/>
+        <a:font script="Viet" typeface="Arial"/>
+        <a:font script="Uigh" typeface="Microsoft Uighur"/>
+        <a:font script="Geor" typeface="Sylfaen"/>
+        <a:font script="Armn" typeface="Arial"/>
+        <a:font script="Bugi" typeface="Leelawadee UI"/>
+        <a:font script="Bopo" typeface="Microsoft JhengHei"/>
+        <a:font script="Java" typeface="Javanese Text"/>
+        <a:font script="Lisu" typeface="Segoe UI"/>
+        <a:font script="Mymr" typeface="Myanmar Text"/>
+        <a:font script="Nkoo" typeface="Ebrima"/>
+        <a:font script="Olck" typeface="Nirmala UI"/>
+        <a:font script="Osma" typeface="Ebrima"/>
+        <a:font script="Phag" typeface="Phagspa"/>
+        <a:font script="Syrn" typeface="Estrangelo Edessa"/>
+        <a:font script="Syrj" typeface="Estrangelo Edessa"/>
+        <a:font script="Syre" typeface="Estrangelo Edessa"/>
+        <a:font script="Sora" typeface="Nirmala UI"/>
+        <a:font script="Tale" typeface="Microsoft Tai Le"/>
+        <a:font script="Talu" typeface="Microsoft New Tai Lue"/>
+        <a:font script="Tfng" typeface="Ebrima"/>
       </a:minorFont>
     </a:fontScheme>
     <a:fmtScheme name="Office">
@@ -4536,13 +4679,6 @@
         </a:gradFill>
       </a:fillStyleLst>
       <a:lnStyleLst>
-        <a:ln w="6350" cap="flat" cmpd="sng" algn="ctr">
-          <a:solidFill>
-            <a:schemeClr val="phClr"/>
-          </a:solidFill>
-          <a:prstDash val="solid"/>
-          <a:miter lim="800000"/>
-        </a:ln>
         <a:ln w="12700" cap="flat" cmpd="sng" algn="ctr">
           <a:solidFill>
             <a:schemeClr val="phClr"/>
@@ -4551,6 +4687,13 @@
           <a:miter lim="800000"/>
         </a:ln>
         <a:ln w="19050" cap="flat" cmpd="sng" algn="ctr">
+          <a:solidFill>
+            <a:schemeClr val="phClr"/>
+          </a:solidFill>
+          <a:prstDash val="solid"/>
+          <a:miter lim="800000"/>
+        </a:ln>
+        <a:ln w="25400" cap="flat" cmpd="sng" algn="ctr">
           <a:solidFill>
             <a:schemeClr val="phClr"/>
           </a:solidFill>
@@ -4615,11 +4758,31 @@
       </a:bgFillStyleLst>
     </a:fmtScheme>
   </a:themeElements>
-  <a:objectDefaults/>
+  <a:objectDefaults>
+    <a:lnDef>
+      <a:spPr/>
+      <a:bodyPr/>
+      <a:lstStyle/>
+      <a:style>
+        <a:lnRef idx="2">
+          <a:schemeClr val="accent1"/>
+        </a:lnRef>
+        <a:fillRef idx="0">
+          <a:schemeClr val="accent1"/>
+        </a:fillRef>
+        <a:effectRef idx="1">
+          <a:schemeClr val="accent1"/>
+        </a:effectRef>
+        <a:fontRef idx="minor">
+          <a:schemeClr val="tx1"/>
+        </a:fontRef>
+      </a:style>
+    </a:lnDef>
+  </a:objectDefaults>
   <a:extraClrSchemeLst/>
   <a:extLst>
     <a:ext uri="{05A4C25C-085E-4340-85A3-A5531E510DB2}">
-      <thm15:themeFamily xmlns:thm15="http://schemas.microsoft.com/office/thememl/2012/main" name="CitationVTI" id="{4899D957-8B31-4AB5-A19D-CB0353FFB667}" vid="{430294D6-2412-4BD3-B567-F0976EA49313}"/>
+      <thm15:themeFamily xmlns:thm15="http://schemas.microsoft.com/office/thememl/2012/main" name="Office Theme" id="{2E142A2C-CD16-42D6-873A-C26D2A0506FA}" vid="{1BDDFF52-6CD6-40A5-AB3C-68EB2F1E4D0A}"/>
     </a:ext>
   </a:extLst>
 </a:theme>
